--- a/Classes/11/Slide.pptx
+++ b/Classes/11/Slide.pptx
@@ -9,6 +9,17 @@
     <p:sldId id="271" r:id="rId3"/>
     <p:sldId id="272" r:id="rId4"/>
     <p:sldId id="273" r:id="rId5"/>
+    <p:sldId id="274" r:id="rId6"/>
+    <p:sldId id="275" r:id="rId7"/>
+    <p:sldId id="276" r:id="rId8"/>
+    <p:sldId id="277" r:id="rId9"/>
+    <p:sldId id="278" r:id="rId10"/>
+    <p:sldId id="279" r:id="rId11"/>
+    <p:sldId id="280" r:id="rId12"/>
+    <p:sldId id="281" r:id="rId13"/>
+    <p:sldId id="282" r:id="rId14"/>
+    <p:sldId id="283" r:id="rId15"/>
+    <p:sldId id="284" r:id="rId16"/>
   </p:sldIdLst>
   <p:sldSz cx="9144000" cy="5143500" type="screen16x9"/>
   <p:notesSz cx="6858000" cy="9144000"/>
@@ -3106,13 +3117,1419 @@
   <p:clrMapOvr>
     <a:masterClrMapping/>
   </p:clrMapOvr>
+</p:sld>
+</file>
+
+<file path=ppt/slides/slide10.xml><?xml version="1.0" encoding="utf-8"?>
+<p:sld xmlns:a="http://schemas.openxmlformats.org/drawingml/2006/main" xmlns:r="http://schemas.openxmlformats.org/officeDocument/2006/relationships" xmlns:p="http://schemas.openxmlformats.org/presentationml/2006/main">
+  <p:cSld>
+    <p:bg>
+      <p:bgPr>
+        <a:blipFill dpi="0" rotWithShape="1">
+          <a:blip r:embed="rId2">
+            <a:lum/>
+          </a:blip>
+          <a:srcRect/>
+          <a:stretch>
+            <a:fillRect l="-1000" r="-1000"/>
+          </a:stretch>
+        </a:blipFill>
+        <a:effectLst/>
+      </p:bgPr>
+    </p:bg>
+    <p:spTree>
+      <p:nvGrpSpPr>
+        <p:cNvPr id="1" name=""/>
+        <p:cNvGrpSpPr/>
+        <p:nvPr/>
+      </p:nvGrpSpPr>
+      <p:grpSpPr>
+        <a:xfrm>
+          <a:off x="0" y="0"/>
+          <a:ext cx="0" cy="0"/>
+          <a:chOff x="0" y="0"/>
+          <a:chExt cx="0" cy="0"/>
+        </a:xfrm>
+      </p:grpSpPr>
+      <p:sp>
+        <p:nvSpPr>
+          <p:cNvPr id="3" name="Rectangle 2"/>
+          <p:cNvSpPr/>
+          <p:nvPr/>
+        </p:nvSpPr>
+        <p:spPr>
+          <a:xfrm>
+            <a:off x="685800" y="133350"/>
+            <a:ext cx="2763898" cy="369332"/>
+          </a:xfrm>
+          <a:prstGeom prst="rect">
+            <a:avLst/>
+          </a:prstGeom>
+        </p:spPr>
+        <p:txBody>
+          <a:bodyPr wrap="none">
+            <a:spAutoFit/>
+          </a:bodyPr>
+          <a:lstStyle/>
+          <a:p>
+            <a:r>
+              <a:rPr lang="en-US" b="1" dirty="0">
+                <a:solidFill>
+                  <a:srgbClr val="0070C0"/>
+                </a:solidFill>
+                <a:latin typeface="Roboto" panose="02000000000000000000" pitchFamily="2" charset="0"/>
+                <a:ea typeface="Roboto" panose="02000000000000000000" pitchFamily="2" charset="0"/>
+              </a:rPr>
+              <a:t>Flutter Project Structure </a:t>
+            </a:r>
+          </a:p>
+        </p:txBody>
+      </p:sp>
+      <p:pic>
+        <p:nvPicPr>
+          <p:cNvPr id="4" name="Picture 3">
+            <a:extLst>
+              <a:ext uri="{FF2B5EF4-FFF2-40B4-BE49-F238E27FC236}">
+                <a16:creationId xmlns:a16="http://schemas.microsoft.com/office/drawing/2014/main" id="{F717AD2B-8CBD-D15F-2B82-C04AB4107C06}"/>
+              </a:ext>
+            </a:extLst>
+          </p:cNvPr>
+          <p:cNvPicPr>
+            <a:picLocks noChangeAspect="1"/>
+          </p:cNvPicPr>
+          <p:nvPr/>
+        </p:nvPicPr>
+        <p:blipFill>
+          <a:blip r:embed="rId3"/>
+          <a:stretch>
+            <a:fillRect/>
+          </a:stretch>
+        </p:blipFill>
+        <p:spPr>
+          <a:xfrm>
+            <a:off x="6477000" y="742950"/>
+            <a:ext cx="2514599" cy="2982432"/>
+          </a:xfrm>
+          <a:prstGeom prst="rect">
+            <a:avLst/>
+          </a:prstGeom>
+        </p:spPr>
+      </p:pic>
+      <p:sp>
+        <p:nvSpPr>
+          <p:cNvPr id="7" name="TextBox 6">
+            <a:extLst>
+              <a:ext uri="{FF2B5EF4-FFF2-40B4-BE49-F238E27FC236}">
+                <a16:creationId xmlns:a16="http://schemas.microsoft.com/office/drawing/2014/main" id="{D5175723-71CB-419F-22D4-E782F927EABB}"/>
+              </a:ext>
+            </a:extLst>
+          </p:cNvPr>
+          <p:cNvSpPr txBox="1"/>
+          <p:nvPr/>
+        </p:nvSpPr>
+        <p:spPr>
+          <a:xfrm>
+            <a:off x="228600" y="742950"/>
+            <a:ext cx="5715000" cy="1658852"/>
+          </a:xfrm>
+          <a:prstGeom prst="rect">
+            <a:avLst/>
+          </a:prstGeom>
+          <a:noFill/>
+        </p:spPr>
+        <p:txBody>
+          <a:bodyPr wrap="square">
+            <a:spAutoFit/>
+          </a:bodyPr>
+          <a:lstStyle/>
+          <a:p>
+            <a:r>
+              <a:rPr lang="en-US" sz="2000" b="1" u="sng" dirty="0">
+                <a:latin typeface="Roboto Condensed" panose="02000000000000000000" pitchFamily="2" charset="0"/>
+                <a:ea typeface="Roboto Condensed" panose="02000000000000000000" pitchFamily="2" charset="0"/>
+              </a:rPr>
+              <a:t>test:</a:t>
+            </a:r>
+            <a:r>
+              <a:rPr lang="en-US" sz="2000" u="sng" dirty="0">
+                <a:latin typeface="Roboto Condensed" panose="02000000000000000000" pitchFamily="2" charset="0"/>
+                <a:ea typeface="Roboto Condensed" panose="02000000000000000000" pitchFamily="2" charset="0"/>
+              </a:rPr>
+              <a:t> </a:t>
+            </a:r>
+          </a:p>
+          <a:p>
+            <a:pPr marL="285750" indent="-285750">
+              <a:lnSpc>
+                <a:spcPct val="150000"/>
+              </a:lnSpc>
+              <a:buFont typeface="Arial" panose="020B0604020202020204" pitchFamily="34" charset="0"/>
+              <a:buChar char="•"/>
+            </a:pPr>
+            <a:r>
+              <a:rPr lang="en-US" sz="1400" dirty="0"/>
+              <a:t>This folder contains a Dart code, </a:t>
+            </a:r>
+          </a:p>
+          <a:p>
+            <a:pPr marL="285750" indent="-285750">
+              <a:lnSpc>
+                <a:spcPct val="150000"/>
+              </a:lnSpc>
+              <a:buFont typeface="Arial" panose="020B0604020202020204" pitchFamily="34" charset="0"/>
+              <a:buChar char="•"/>
+            </a:pPr>
+            <a:r>
+              <a:rPr lang="en-US" sz="1400" dirty="0"/>
+              <a:t>Which is written for the Flutter application.</a:t>
+            </a:r>
+          </a:p>
+          <a:p>
+            <a:pPr marL="285750" indent="-285750">
+              <a:lnSpc>
+                <a:spcPct val="150000"/>
+              </a:lnSpc>
+              <a:buFont typeface="Arial" panose="020B0604020202020204" pitchFamily="34" charset="0"/>
+              <a:buChar char="•"/>
+            </a:pPr>
+            <a:r>
+              <a:rPr lang="en-US" sz="1400" dirty="0"/>
+              <a:t>Perform the automated test when building the app. </a:t>
+            </a:r>
+          </a:p>
+          <a:p>
+            <a:pPr marL="285750" indent="-285750">
+              <a:lnSpc>
+                <a:spcPct val="150000"/>
+              </a:lnSpc>
+              <a:buFont typeface="Arial" panose="020B0604020202020204" pitchFamily="34" charset="0"/>
+              <a:buChar char="•"/>
+            </a:pPr>
+            <a:r>
+              <a:rPr lang="en-US" sz="1400" dirty="0"/>
+              <a:t>It won't be too important for us here.</a:t>
+            </a:r>
+            <a:endParaRPr lang="en-US" sz="1400" dirty="0">
+              <a:latin typeface="Roboto Condensed" panose="02000000000000000000" pitchFamily="2" charset="0"/>
+              <a:ea typeface="Roboto Condensed" panose="02000000000000000000" pitchFamily="2" charset="0"/>
+            </a:endParaRPr>
+          </a:p>
+        </p:txBody>
+      </p:sp>
+    </p:spTree>
+    <p:extLst>
+      <p:ext uri="{BB962C8B-B14F-4D97-AF65-F5344CB8AC3E}">
+        <p14:creationId xmlns:p14="http://schemas.microsoft.com/office/powerpoint/2010/main" val="4230854498"/>
+      </p:ext>
+    </p:extLst>
+  </p:cSld>
+  <p:clrMapOvr>
+    <a:masterClrMapping/>
+  </p:clrMapOvr>
   <p:timing>
     <p:tnLst>
       <p:par>
-        <p:cTn id="1" dur="indefinite" restart="never" nodeType="tmRoot"/>
+        <p:cTn id="1" dur="indefinite" restart="never" nodeType="tmRoot">
+          <p:childTnLst>
+            <p:seq concurrent="1" nextAc="seek">
+              <p:cTn id="2" dur="indefinite" nodeType="mainSeq">
+                <p:childTnLst>
+                  <p:par>
+                    <p:cTn id="3" fill="hold">
+                      <p:stCondLst>
+                        <p:cond delay="indefinite"/>
+                      </p:stCondLst>
+                      <p:childTnLst>
+                        <p:par>
+                          <p:cTn id="4" fill="hold">
+                            <p:stCondLst>
+                              <p:cond delay="0"/>
+                            </p:stCondLst>
+                            <p:childTnLst>
+                              <p:par>
+                                <p:cTn id="5" presetID="42" presetClass="entr" presetSubtype="0" fill="hold" grpId="0" nodeType="clickEffect">
+                                  <p:stCondLst>
+                                    <p:cond delay="0"/>
+                                  </p:stCondLst>
+                                  <p:childTnLst>
+                                    <p:set>
+                                      <p:cBhvr>
+                                        <p:cTn id="6" dur="1" fill="hold">
+                                          <p:stCondLst>
+                                            <p:cond delay="0"/>
+                                          </p:stCondLst>
+                                        </p:cTn>
+                                        <p:tgtEl>
+                                          <p:spTgt spid="7"/>
+                                        </p:tgtEl>
+                                        <p:attrNameLst>
+                                          <p:attrName>style.visibility</p:attrName>
+                                        </p:attrNameLst>
+                                      </p:cBhvr>
+                                      <p:to>
+                                        <p:strVal val="visible"/>
+                                      </p:to>
+                                    </p:set>
+                                    <p:animEffect transition="in" filter="fade">
+                                      <p:cBhvr>
+                                        <p:cTn id="7" dur="1000"/>
+                                        <p:tgtEl>
+                                          <p:spTgt spid="7"/>
+                                        </p:tgtEl>
+                                      </p:cBhvr>
+                                    </p:animEffect>
+                                    <p:anim calcmode="lin" valueType="num">
+                                      <p:cBhvr>
+                                        <p:cTn id="8" dur="1000" fill="hold"/>
+                                        <p:tgtEl>
+                                          <p:spTgt spid="7"/>
+                                        </p:tgtEl>
+                                        <p:attrNameLst>
+                                          <p:attrName>ppt_x</p:attrName>
+                                        </p:attrNameLst>
+                                      </p:cBhvr>
+                                      <p:tavLst>
+                                        <p:tav tm="0">
+                                          <p:val>
+                                            <p:strVal val="#ppt_x"/>
+                                          </p:val>
+                                        </p:tav>
+                                        <p:tav tm="100000">
+                                          <p:val>
+                                            <p:strVal val="#ppt_x"/>
+                                          </p:val>
+                                        </p:tav>
+                                      </p:tavLst>
+                                    </p:anim>
+                                    <p:anim calcmode="lin" valueType="num">
+                                      <p:cBhvr>
+                                        <p:cTn id="9" dur="1000" fill="hold"/>
+                                        <p:tgtEl>
+                                          <p:spTgt spid="7"/>
+                                        </p:tgtEl>
+                                        <p:attrNameLst>
+                                          <p:attrName>ppt_y</p:attrName>
+                                        </p:attrNameLst>
+                                      </p:cBhvr>
+                                      <p:tavLst>
+                                        <p:tav tm="0">
+                                          <p:val>
+                                            <p:strVal val="#ppt_y+.1"/>
+                                          </p:val>
+                                        </p:tav>
+                                        <p:tav tm="100000">
+                                          <p:val>
+                                            <p:strVal val="#ppt_y"/>
+                                          </p:val>
+                                        </p:tav>
+                                      </p:tavLst>
+                                    </p:anim>
+                                  </p:childTnLst>
+                                </p:cTn>
+                              </p:par>
+                            </p:childTnLst>
+                          </p:cTn>
+                        </p:par>
+                      </p:childTnLst>
+                    </p:cTn>
+                  </p:par>
+                </p:childTnLst>
+              </p:cTn>
+              <p:prevCondLst>
+                <p:cond evt="onPrev" delay="0">
+                  <p:tgtEl>
+                    <p:sldTgt/>
+                  </p:tgtEl>
+                </p:cond>
+              </p:prevCondLst>
+              <p:nextCondLst>
+                <p:cond evt="onNext" delay="0">
+                  <p:tgtEl>
+                    <p:sldTgt/>
+                  </p:tgtEl>
+                </p:cond>
+              </p:nextCondLst>
+            </p:seq>
+          </p:childTnLst>
+        </p:cTn>
       </p:par>
     </p:tnLst>
+    <p:bldLst>
+      <p:bldP spid="7" grpId="0"/>
+    </p:bldLst>
   </p:timing>
+</p:sld>
+</file>
+
+<file path=ppt/slides/slide11.xml><?xml version="1.0" encoding="utf-8"?>
+<p:sld xmlns:a="http://schemas.openxmlformats.org/drawingml/2006/main" xmlns:r="http://schemas.openxmlformats.org/officeDocument/2006/relationships" xmlns:p="http://schemas.openxmlformats.org/presentationml/2006/main">
+  <p:cSld>
+    <p:bg>
+      <p:bgPr>
+        <a:blipFill dpi="0" rotWithShape="1">
+          <a:blip r:embed="rId2">
+            <a:lum/>
+          </a:blip>
+          <a:srcRect/>
+          <a:stretch>
+            <a:fillRect l="-1000" r="-1000"/>
+          </a:stretch>
+        </a:blipFill>
+        <a:effectLst/>
+      </p:bgPr>
+    </p:bg>
+    <p:spTree>
+      <p:nvGrpSpPr>
+        <p:cNvPr id="1" name=""/>
+        <p:cNvGrpSpPr/>
+        <p:nvPr/>
+      </p:nvGrpSpPr>
+      <p:grpSpPr>
+        <a:xfrm>
+          <a:off x="0" y="0"/>
+          <a:ext cx="0" cy="0"/>
+          <a:chOff x="0" y="0"/>
+          <a:chExt cx="0" cy="0"/>
+        </a:xfrm>
+      </p:grpSpPr>
+      <p:sp>
+        <p:nvSpPr>
+          <p:cNvPr id="3" name="Rectangle 2"/>
+          <p:cNvSpPr/>
+          <p:nvPr/>
+        </p:nvSpPr>
+        <p:spPr>
+          <a:xfrm>
+            <a:off x="685800" y="133350"/>
+            <a:ext cx="2763898" cy="369332"/>
+          </a:xfrm>
+          <a:prstGeom prst="rect">
+            <a:avLst/>
+          </a:prstGeom>
+        </p:spPr>
+        <p:txBody>
+          <a:bodyPr wrap="none">
+            <a:spAutoFit/>
+          </a:bodyPr>
+          <a:lstStyle/>
+          <a:p>
+            <a:r>
+              <a:rPr lang="en-US" b="1" dirty="0">
+                <a:solidFill>
+                  <a:srgbClr val="0070C0"/>
+                </a:solidFill>
+                <a:latin typeface="Roboto" panose="02000000000000000000" pitchFamily="2" charset="0"/>
+                <a:ea typeface="Roboto" panose="02000000000000000000" pitchFamily="2" charset="0"/>
+              </a:rPr>
+              <a:t>Flutter Project Structure </a:t>
+            </a:r>
+          </a:p>
+        </p:txBody>
+      </p:sp>
+      <p:pic>
+        <p:nvPicPr>
+          <p:cNvPr id="4" name="Picture 3">
+            <a:extLst>
+              <a:ext uri="{FF2B5EF4-FFF2-40B4-BE49-F238E27FC236}">
+                <a16:creationId xmlns:a16="http://schemas.microsoft.com/office/drawing/2014/main" id="{F717AD2B-8CBD-D15F-2B82-C04AB4107C06}"/>
+              </a:ext>
+            </a:extLst>
+          </p:cNvPr>
+          <p:cNvPicPr>
+            <a:picLocks noChangeAspect="1"/>
+          </p:cNvPicPr>
+          <p:nvPr/>
+        </p:nvPicPr>
+        <p:blipFill>
+          <a:blip r:embed="rId3"/>
+          <a:stretch>
+            <a:fillRect/>
+          </a:stretch>
+        </p:blipFill>
+        <p:spPr>
+          <a:xfrm>
+            <a:off x="6477000" y="742950"/>
+            <a:ext cx="2514599" cy="2982432"/>
+          </a:xfrm>
+          <a:prstGeom prst="rect">
+            <a:avLst/>
+          </a:prstGeom>
+        </p:spPr>
+      </p:pic>
+      <p:sp>
+        <p:nvSpPr>
+          <p:cNvPr id="5" name="TextBox 4">
+            <a:extLst>
+              <a:ext uri="{FF2B5EF4-FFF2-40B4-BE49-F238E27FC236}">
+                <a16:creationId xmlns:a16="http://schemas.microsoft.com/office/drawing/2014/main" id="{E0376106-D0E3-FDF1-30DD-702D60BB3347}"/>
+              </a:ext>
+            </a:extLst>
+          </p:cNvPr>
+          <p:cNvSpPr txBox="1"/>
+          <p:nvPr/>
+        </p:nvSpPr>
+        <p:spPr>
+          <a:xfrm>
+            <a:off x="381000" y="1047750"/>
+            <a:ext cx="5943599" cy="1405513"/>
+          </a:xfrm>
+          <a:prstGeom prst="rect">
+            <a:avLst/>
+          </a:prstGeom>
+          <a:noFill/>
+        </p:spPr>
+        <p:txBody>
+          <a:bodyPr wrap="square">
+            <a:spAutoFit/>
+          </a:bodyPr>
+          <a:lstStyle/>
+          <a:p>
+            <a:r>
+              <a:rPr lang="en-US" sz="1600" b="1" dirty="0">
+                <a:latin typeface="Roboto Condensed" panose="02000000000000000000" pitchFamily="2" charset="0"/>
+                <a:ea typeface="Roboto Condensed" panose="02000000000000000000" pitchFamily="2" charset="0"/>
+              </a:rPr>
+              <a:t>.</a:t>
+            </a:r>
+            <a:r>
+              <a:rPr lang="en-US" sz="1600" b="1" dirty="0" err="1">
+                <a:latin typeface="Roboto Condensed" panose="02000000000000000000" pitchFamily="2" charset="0"/>
+                <a:ea typeface="Roboto Condensed" panose="02000000000000000000" pitchFamily="2" charset="0"/>
+              </a:rPr>
+              <a:t>gitignore</a:t>
+            </a:r>
+            <a:r>
+              <a:rPr lang="en-US" sz="1600" b="1" dirty="0">
+                <a:latin typeface="Roboto Condensed" panose="02000000000000000000" pitchFamily="2" charset="0"/>
+                <a:ea typeface="Roboto Condensed" panose="02000000000000000000" pitchFamily="2" charset="0"/>
+              </a:rPr>
+              <a:t>:</a:t>
+            </a:r>
+            <a:r>
+              <a:rPr lang="en-US" sz="1600" dirty="0">
+                <a:latin typeface="Roboto Condensed" panose="02000000000000000000" pitchFamily="2" charset="0"/>
+                <a:ea typeface="Roboto Condensed" panose="02000000000000000000" pitchFamily="2" charset="0"/>
+              </a:rPr>
+              <a:t> </a:t>
+            </a:r>
+          </a:p>
+          <a:p>
+            <a:pPr marL="285750" indent="-285750">
+              <a:lnSpc>
+                <a:spcPct val="150000"/>
+              </a:lnSpc>
+              <a:buFont typeface="Arial" panose="020B0604020202020204" pitchFamily="34" charset="0"/>
+              <a:buChar char="•"/>
+            </a:pPr>
+            <a:r>
+              <a:rPr lang="en-US" sz="1600" dirty="0">
+                <a:latin typeface="Roboto Condensed" panose="02000000000000000000" pitchFamily="2" charset="0"/>
+                <a:ea typeface="Roboto Condensed" panose="02000000000000000000" pitchFamily="2" charset="0"/>
+              </a:rPr>
+              <a:t>It is a text file containing a list of files, file extensions, and folders </a:t>
+            </a:r>
+          </a:p>
+          <a:p>
+            <a:pPr marL="285750" indent="-285750">
+              <a:lnSpc>
+                <a:spcPct val="150000"/>
+              </a:lnSpc>
+              <a:buFont typeface="Arial" panose="020B0604020202020204" pitchFamily="34" charset="0"/>
+              <a:buChar char="•"/>
+            </a:pPr>
+            <a:r>
+              <a:rPr lang="en-US" sz="1600" dirty="0">
+                <a:latin typeface="Roboto Condensed" panose="02000000000000000000" pitchFamily="2" charset="0"/>
+                <a:ea typeface="Roboto Condensed" panose="02000000000000000000" pitchFamily="2" charset="0"/>
+              </a:rPr>
+              <a:t>that tells Git which files should be ignored in a project. </a:t>
+            </a:r>
+          </a:p>
+          <a:p>
+            <a:pPr marL="285750" indent="-285750">
+              <a:lnSpc>
+                <a:spcPct val="150000"/>
+              </a:lnSpc>
+              <a:buFont typeface="Arial" panose="020B0604020202020204" pitchFamily="34" charset="0"/>
+              <a:buChar char="•"/>
+            </a:pPr>
+            <a:r>
+              <a:rPr lang="en-US" sz="1600" dirty="0">
+                <a:latin typeface="Roboto Condensed" panose="02000000000000000000" pitchFamily="2" charset="0"/>
+                <a:ea typeface="Roboto Condensed" panose="02000000000000000000" pitchFamily="2" charset="0"/>
+              </a:rPr>
+              <a:t>Git is a version-control file for tracking changes in source</a:t>
+            </a:r>
+          </a:p>
+        </p:txBody>
+      </p:sp>
+    </p:spTree>
+    <p:extLst>
+      <p:ext uri="{BB962C8B-B14F-4D97-AF65-F5344CB8AC3E}">
+        <p14:creationId xmlns:p14="http://schemas.microsoft.com/office/powerpoint/2010/main" val="1729152299"/>
+      </p:ext>
+    </p:extLst>
+  </p:cSld>
+  <p:clrMapOvr>
+    <a:masterClrMapping/>
+  </p:clrMapOvr>
+</p:sld>
+</file>
+
+<file path=ppt/slides/slide12.xml><?xml version="1.0" encoding="utf-8"?>
+<p:sld xmlns:a="http://schemas.openxmlformats.org/drawingml/2006/main" xmlns:r="http://schemas.openxmlformats.org/officeDocument/2006/relationships" xmlns:p="http://schemas.openxmlformats.org/presentationml/2006/main">
+  <p:cSld>
+    <p:bg>
+      <p:bgPr>
+        <a:blipFill dpi="0" rotWithShape="1">
+          <a:blip r:embed="rId2">
+            <a:lum/>
+          </a:blip>
+          <a:srcRect/>
+          <a:stretch>
+            <a:fillRect l="-1000" r="-1000"/>
+          </a:stretch>
+        </a:blipFill>
+        <a:effectLst/>
+      </p:bgPr>
+    </p:bg>
+    <p:spTree>
+      <p:nvGrpSpPr>
+        <p:cNvPr id="1" name=""/>
+        <p:cNvGrpSpPr/>
+        <p:nvPr/>
+      </p:nvGrpSpPr>
+      <p:grpSpPr>
+        <a:xfrm>
+          <a:off x="0" y="0"/>
+          <a:ext cx="0" cy="0"/>
+          <a:chOff x="0" y="0"/>
+          <a:chExt cx="0" cy="0"/>
+        </a:xfrm>
+      </p:grpSpPr>
+      <p:sp>
+        <p:nvSpPr>
+          <p:cNvPr id="3" name="Rectangle 2"/>
+          <p:cNvSpPr/>
+          <p:nvPr/>
+        </p:nvSpPr>
+        <p:spPr>
+          <a:xfrm>
+            <a:off x="685800" y="133350"/>
+            <a:ext cx="2763898" cy="369332"/>
+          </a:xfrm>
+          <a:prstGeom prst="rect">
+            <a:avLst/>
+          </a:prstGeom>
+        </p:spPr>
+        <p:txBody>
+          <a:bodyPr wrap="none">
+            <a:spAutoFit/>
+          </a:bodyPr>
+          <a:lstStyle/>
+          <a:p>
+            <a:r>
+              <a:rPr lang="en-US" b="1" dirty="0">
+                <a:solidFill>
+                  <a:srgbClr val="0070C0"/>
+                </a:solidFill>
+                <a:latin typeface="Roboto" panose="02000000000000000000" pitchFamily="2" charset="0"/>
+                <a:ea typeface="Roboto" panose="02000000000000000000" pitchFamily="2" charset="0"/>
+              </a:rPr>
+              <a:t>Flutter Project Structure </a:t>
+            </a:r>
+          </a:p>
+        </p:txBody>
+      </p:sp>
+      <p:pic>
+        <p:nvPicPr>
+          <p:cNvPr id="4" name="Picture 3">
+            <a:extLst>
+              <a:ext uri="{FF2B5EF4-FFF2-40B4-BE49-F238E27FC236}">
+                <a16:creationId xmlns:a16="http://schemas.microsoft.com/office/drawing/2014/main" id="{F717AD2B-8CBD-D15F-2B82-C04AB4107C06}"/>
+              </a:ext>
+            </a:extLst>
+          </p:cNvPr>
+          <p:cNvPicPr>
+            <a:picLocks noChangeAspect="1"/>
+          </p:cNvPicPr>
+          <p:nvPr/>
+        </p:nvPicPr>
+        <p:blipFill>
+          <a:blip r:embed="rId3"/>
+          <a:stretch>
+            <a:fillRect/>
+          </a:stretch>
+        </p:blipFill>
+        <p:spPr>
+          <a:xfrm>
+            <a:off x="6477000" y="742950"/>
+            <a:ext cx="2514599" cy="2982432"/>
+          </a:xfrm>
+          <a:prstGeom prst="rect">
+            <a:avLst/>
+          </a:prstGeom>
+        </p:spPr>
+      </p:pic>
+      <p:sp>
+        <p:nvSpPr>
+          <p:cNvPr id="5" name="TextBox 4">
+            <a:extLst>
+              <a:ext uri="{FF2B5EF4-FFF2-40B4-BE49-F238E27FC236}">
+                <a16:creationId xmlns:a16="http://schemas.microsoft.com/office/drawing/2014/main" id="{E0376106-D0E3-FDF1-30DD-702D60BB3347}"/>
+              </a:ext>
+            </a:extLst>
+          </p:cNvPr>
+          <p:cNvSpPr txBox="1"/>
+          <p:nvPr/>
+        </p:nvSpPr>
+        <p:spPr>
+          <a:xfrm>
+            <a:off x="381000" y="1047750"/>
+            <a:ext cx="5943599" cy="1405513"/>
+          </a:xfrm>
+          <a:prstGeom prst="rect">
+            <a:avLst/>
+          </a:prstGeom>
+          <a:noFill/>
+        </p:spPr>
+        <p:txBody>
+          <a:bodyPr wrap="square">
+            <a:spAutoFit/>
+          </a:bodyPr>
+          <a:lstStyle/>
+          <a:p>
+            <a:r>
+              <a:rPr lang="en-US" sz="1600" b="1" dirty="0">
+                <a:latin typeface="Roboto Condensed" panose="02000000000000000000" pitchFamily="2" charset="0"/>
+                <a:ea typeface="Roboto Condensed" panose="02000000000000000000" pitchFamily="2" charset="0"/>
+              </a:rPr>
+              <a:t>.</a:t>
+            </a:r>
+            <a:r>
+              <a:rPr lang="en-US" sz="1600" b="1" dirty="0" err="1">
+                <a:latin typeface="Roboto Condensed" panose="02000000000000000000" pitchFamily="2" charset="0"/>
+                <a:ea typeface="Roboto Condensed" panose="02000000000000000000" pitchFamily="2" charset="0"/>
+              </a:rPr>
+              <a:t>gitignore</a:t>
+            </a:r>
+            <a:r>
+              <a:rPr lang="en-US" sz="1600" b="1" dirty="0">
+                <a:latin typeface="Roboto Condensed" panose="02000000000000000000" pitchFamily="2" charset="0"/>
+                <a:ea typeface="Roboto Condensed" panose="02000000000000000000" pitchFamily="2" charset="0"/>
+              </a:rPr>
+              <a:t>:</a:t>
+            </a:r>
+            <a:r>
+              <a:rPr lang="en-US" sz="1600" dirty="0">
+                <a:latin typeface="Roboto Condensed" panose="02000000000000000000" pitchFamily="2" charset="0"/>
+                <a:ea typeface="Roboto Condensed" panose="02000000000000000000" pitchFamily="2" charset="0"/>
+              </a:rPr>
+              <a:t> </a:t>
+            </a:r>
+          </a:p>
+          <a:p>
+            <a:pPr marL="285750" indent="-285750">
+              <a:lnSpc>
+                <a:spcPct val="150000"/>
+              </a:lnSpc>
+              <a:buFont typeface="Arial" panose="020B0604020202020204" pitchFamily="34" charset="0"/>
+              <a:buChar char="•"/>
+            </a:pPr>
+            <a:r>
+              <a:rPr lang="en-US" sz="1600" dirty="0">
+                <a:latin typeface="Roboto Condensed" panose="02000000000000000000" pitchFamily="2" charset="0"/>
+                <a:ea typeface="Roboto Condensed" panose="02000000000000000000" pitchFamily="2" charset="0"/>
+              </a:rPr>
+              <a:t>It is a text file containing a list of files, file extensions, and folders </a:t>
+            </a:r>
+          </a:p>
+          <a:p>
+            <a:pPr marL="285750" indent="-285750">
+              <a:lnSpc>
+                <a:spcPct val="150000"/>
+              </a:lnSpc>
+              <a:buFont typeface="Arial" panose="020B0604020202020204" pitchFamily="34" charset="0"/>
+              <a:buChar char="•"/>
+            </a:pPr>
+            <a:r>
+              <a:rPr lang="en-US" sz="1600" dirty="0">
+                <a:latin typeface="Roboto Condensed" panose="02000000000000000000" pitchFamily="2" charset="0"/>
+                <a:ea typeface="Roboto Condensed" panose="02000000000000000000" pitchFamily="2" charset="0"/>
+              </a:rPr>
+              <a:t>that tells Git which files should be ignored in a project. </a:t>
+            </a:r>
+          </a:p>
+          <a:p>
+            <a:pPr marL="285750" indent="-285750">
+              <a:lnSpc>
+                <a:spcPct val="150000"/>
+              </a:lnSpc>
+              <a:buFont typeface="Arial" panose="020B0604020202020204" pitchFamily="34" charset="0"/>
+              <a:buChar char="•"/>
+            </a:pPr>
+            <a:r>
+              <a:rPr lang="en-US" sz="1600" dirty="0">
+                <a:latin typeface="Roboto Condensed" panose="02000000000000000000" pitchFamily="2" charset="0"/>
+                <a:ea typeface="Roboto Condensed" panose="02000000000000000000" pitchFamily="2" charset="0"/>
+              </a:rPr>
+              <a:t>Git is a version-control file for tracking changes in source</a:t>
+            </a:r>
+          </a:p>
+        </p:txBody>
+      </p:sp>
+    </p:spTree>
+    <p:extLst>
+      <p:ext uri="{BB962C8B-B14F-4D97-AF65-F5344CB8AC3E}">
+        <p14:creationId xmlns:p14="http://schemas.microsoft.com/office/powerpoint/2010/main" val="2732493262"/>
+      </p:ext>
+    </p:extLst>
+  </p:cSld>
+  <p:clrMapOvr>
+    <a:masterClrMapping/>
+  </p:clrMapOvr>
+</p:sld>
+</file>
+
+<file path=ppt/slides/slide13.xml><?xml version="1.0" encoding="utf-8"?>
+<p:sld xmlns:a="http://schemas.openxmlformats.org/drawingml/2006/main" xmlns:r="http://schemas.openxmlformats.org/officeDocument/2006/relationships" xmlns:p="http://schemas.openxmlformats.org/presentationml/2006/main">
+  <p:cSld>
+    <p:bg>
+      <p:bgPr>
+        <a:blipFill dpi="0" rotWithShape="1">
+          <a:blip r:embed="rId2">
+            <a:lum/>
+          </a:blip>
+          <a:srcRect/>
+          <a:stretch>
+            <a:fillRect l="-1000" r="-1000"/>
+          </a:stretch>
+        </a:blipFill>
+        <a:effectLst/>
+      </p:bgPr>
+    </p:bg>
+    <p:spTree>
+      <p:nvGrpSpPr>
+        <p:cNvPr id="1" name=""/>
+        <p:cNvGrpSpPr/>
+        <p:nvPr/>
+      </p:nvGrpSpPr>
+      <p:grpSpPr>
+        <a:xfrm>
+          <a:off x="0" y="0"/>
+          <a:ext cx="0" cy="0"/>
+          <a:chOff x="0" y="0"/>
+          <a:chExt cx="0" cy="0"/>
+        </a:xfrm>
+      </p:grpSpPr>
+      <p:sp>
+        <p:nvSpPr>
+          <p:cNvPr id="3" name="Rectangle 2"/>
+          <p:cNvSpPr/>
+          <p:nvPr/>
+        </p:nvSpPr>
+        <p:spPr>
+          <a:xfrm>
+            <a:off x="685800" y="133350"/>
+            <a:ext cx="2763898" cy="369332"/>
+          </a:xfrm>
+          <a:prstGeom prst="rect">
+            <a:avLst/>
+          </a:prstGeom>
+        </p:spPr>
+        <p:txBody>
+          <a:bodyPr wrap="none">
+            <a:spAutoFit/>
+          </a:bodyPr>
+          <a:lstStyle/>
+          <a:p>
+            <a:r>
+              <a:rPr lang="en-US" b="1" dirty="0">
+                <a:solidFill>
+                  <a:srgbClr val="0070C0"/>
+                </a:solidFill>
+                <a:latin typeface="Roboto" panose="02000000000000000000" pitchFamily="2" charset="0"/>
+                <a:ea typeface="Roboto" panose="02000000000000000000" pitchFamily="2" charset="0"/>
+              </a:rPr>
+              <a:t>Flutter Project Structure </a:t>
+            </a:r>
+          </a:p>
+        </p:txBody>
+      </p:sp>
+      <p:pic>
+        <p:nvPicPr>
+          <p:cNvPr id="4" name="Picture 3">
+            <a:extLst>
+              <a:ext uri="{FF2B5EF4-FFF2-40B4-BE49-F238E27FC236}">
+                <a16:creationId xmlns:a16="http://schemas.microsoft.com/office/drawing/2014/main" id="{F717AD2B-8CBD-D15F-2B82-C04AB4107C06}"/>
+              </a:ext>
+            </a:extLst>
+          </p:cNvPr>
+          <p:cNvPicPr>
+            <a:picLocks noChangeAspect="1"/>
+          </p:cNvPicPr>
+          <p:nvPr/>
+        </p:nvPicPr>
+        <p:blipFill>
+          <a:blip r:embed="rId3"/>
+          <a:stretch>
+            <a:fillRect/>
+          </a:stretch>
+        </p:blipFill>
+        <p:spPr>
+          <a:xfrm>
+            <a:off x="6477000" y="742950"/>
+            <a:ext cx="2514599" cy="2982432"/>
+          </a:xfrm>
+          <a:prstGeom prst="rect">
+            <a:avLst/>
+          </a:prstGeom>
+        </p:spPr>
+      </p:pic>
+      <p:sp>
+        <p:nvSpPr>
+          <p:cNvPr id="5" name="TextBox 4">
+            <a:extLst>
+              <a:ext uri="{FF2B5EF4-FFF2-40B4-BE49-F238E27FC236}">
+                <a16:creationId xmlns:a16="http://schemas.microsoft.com/office/drawing/2014/main" id="{E0376106-D0E3-FDF1-30DD-702D60BB3347}"/>
+              </a:ext>
+            </a:extLst>
+          </p:cNvPr>
+          <p:cNvSpPr txBox="1"/>
+          <p:nvPr/>
+        </p:nvSpPr>
+        <p:spPr>
+          <a:xfrm>
+            <a:off x="304800" y="910727"/>
+            <a:ext cx="5943599" cy="1774845"/>
+          </a:xfrm>
+          <a:prstGeom prst="rect">
+            <a:avLst/>
+          </a:prstGeom>
+          <a:noFill/>
+        </p:spPr>
+        <p:txBody>
+          <a:bodyPr wrap="square">
+            <a:spAutoFit/>
+          </a:bodyPr>
+          <a:lstStyle/>
+          <a:p>
+            <a:r>
+              <a:rPr lang="en-US" sz="1600" b="1" dirty="0">
+                <a:latin typeface="Roboto Condensed" panose="02000000000000000000" pitchFamily="2" charset="0"/>
+                <a:ea typeface="Roboto Condensed" panose="02000000000000000000" pitchFamily="2" charset="0"/>
+              </a:rPr>
+              <a:t>.metadata: </a:t>
+            </a:r>
+          </a:p>
+          <a:p>
+            <a:pPr marL="285750" indent="-285750">
+              <a:lnSpc>
+                <a:spcPct val="150000"/>
+              </a:lnSpc>
+              <a:buFont typeface="Arial" panose="020B0604020202020204" pitchFamily="34" charset="0"/>
+              <a:buChar char="•"/>
+            </a:pPr>
+            <a:r>
+              <a:rPr lang="en-US" sz="1600" dirty="0">
+                <a:latin typeface="Roboto Condensed" panose="02000000000000000000" pitchFamily="2" charset="0"/>
+                <a:ea typeface="Roboto Condensed" panose="02000000000000000000" pitchFamily="2" charset="0"/>
+              </a:rPr>
+              <a:t>It is an auto-generated file by the flutter tools.</a:t>
+            </a:r>
+          </a:p>
+          <a:p>
+            <a:pPr marL="285750" indent="-285750">
+              <a:lnSpc>
+                <a:spcPct val="150000"/>
+              </a:lnSpc>
+              <a:buFont typeface="Arial" panose="020B0604020202020204" pitchFamily="34" charset="0"/>
+              <a:buChar char="•"/>
+            </a:pPr>
+            <a:r>
+              <a:rPr lang="en-US" sz="1600" dirty="0">
+                <a:latin typeface="Roboto Condensed" panose="02000000000000000000" pitchFamily="2" charset="0"/>
+                <a:ea typeface="Roboto Condensed" panose="02000000000000000000" pitchFamily="2" charset="0"/>
+              </a:rPr>
+              <a:t>Used to track the properties of the Flutter project. </a:t>
+            </a:r>
+          </a:p>
+          <a:p>
+            <a:pPr marL="285750" indent="-285750">
+              <a:lnSpc>
+                <a:spcPct val="150000"/>
+              </a:lnSpc>
+              <a:buFont typeface="Arial" panose="020B0604020202020204" pitchFamily="34" charset="0"/>
+              <a:buChar char="•"/>
+            </a:pPr>
+            <a:r>
+              <a:rPr lang="en-US" sz="1600" dirty="0">
+                <a:latin typeface="Roboto Condensed" panose="02000000000000000000" pitchFamily="2" charset="0"/>
+                <a:ea typeface="Roboto Condensed" panose="02000000000000000000" pitchFamily="2" charset="0"/>
+              </a:rPr>
+              <a:t>This file performs the internal tasks. </a:t>
+            </a:r>
+          </a:p>
+          <a:p>
+            <a:pPr marL="285750" indent="-285750">
+              <a:lnSpc>
+                <a:spcPct val="150000"/>
+              </a:lnSpc>
+              <a:buFont typeface="Arial" panose="020B0604020202020204" pitchFamily="34" charset="0"/>
+              <a:buChar char="•"/>
+            </a:pPr>
+            <a:r>
+              <a:rPr lang="en-US" sz="1600" dirty="0">
+                <a:latin typeface="Roboto Condensed" panose="02000000000000000000" pitchFamily="2" charset="0"/>
+                <a:ea typeface="Roboto Condensed" panose="02000000000000000000" pitchFamily="2" charset="0"/>
+              </a:rPr>
+              <a:t>So you do not need to edit the content manually at any time.</a:t>
+            </a:r>
+          </a:p>
+        </p:txBody>
+      </p:sp>
+    </p:spTree>
+    <p:extLst>
+      <p:ext uri="{BB962C8B-B14F-4D97-AF65-F5344CB8AC3E}">
+        <p14:creationId xmlns:p14="http://schemas.microsoft.com/office/powerpoint/2010/main" val="1250283758"/>
+      </p:ext>
+    </p:extLst>
+  </p:cSld>
+  <p:clrMapOvr>
+    <a:masterClrMapping/>
+  </p:clrMapOvr>
+</p:sld>
+</file>
+
+<file path=ppt/slides/slide14.xml><?xml version="1.0" encoding="utf-8"?>
+<p:sld xmlns:a="http://schemas.openxmlformats.org/drawingml/2006/main" xmlns:r="http://schemas.openxmlformats.org/officeDocument/2006/relationships" xmlns:p="http://schemas.openxmlformats.org/presentationml/2006/main">
+  <p:cSld>
+    <p:bg>
+      <p:bgPr>
+        <a:blipFill dpi="0" rotWithShape="1">
+          <a:blip r:embed="rId2">
+            <a:lum/>
+          </a:blip>
+          <a:srcRect/>
+          <a:stretch>
+            <a:fillRect l="-1000" r="-1000"/>
+          </a:stretch>
+        </a:blipFill>
+        <a:effectLst/>
+      </p:bgPr>
+    </p:bg>
+    <p:spTree>
+      <p:nvGrpSpPr>
+        <p:cNvPr id="1" name=""/>
+        <p:cNvGrpSpPr/>
+        <p:nvPr/>
+      </p:nvGrpSpPr>
+      <p:grpSpPr>
+        <a:xfrm>
+          <a:off x="0" y="0"/>
+          <a:ext cx="0" cy="0"/>
+          <a:chOff x="0" y="0"/>
+          <a:chExt cx="0" cy="0"/>
+        </a:xfrm>
+      </p:grpSpPr>
+      <p:sp>
+        <p:nvSpPr>
+          <p:cNvPr id="3" name="Rectangle 2"/>
+          <p:cNvSpPr/>
+          <p:nvPr/>
+        </p:nvSpPr>
+        <p:spPr>
+          <a:xfrm>
+            <a:off x="685800" y="133350"/>
+            <a:ext cx="2763898" cy="369332"/>
+          </a:xfrm>
+          <a:prstGeom prst="rect">
+            <a:avLst/>
+          </a:prstGeom>
+        </p:spPr>
+        <p:txBody>
+          <a:bodyPr wrap="none">
+            <a:spAutoFit/>
+          </a:bodyPr>
+          <a:lstStyle/>
+          <a:p>
+            <a:r>
+              <a:rPr lang="en-US" b="1" dirty="0">
+                <a:solidFill>
+                  <a:srgbClr val="0070C0"/>
+                </a:solidFill>
+                <a:latin typeface="Roboto" panose="02000000000000000000" pitchFamily="2" charset="0"/>
+                <a:ea typeface="Roboto" panose="02000000000000000000" pitchFamily="2" charset="0"/>
+              </a:rPr>
+              <a:t>Flutter Project Structure </a:t>
+            </a:r>
+          </a:p>
+        </p:txBody>
+      </p:sp>
+      <p:pic>
+        <p:nvPicPr>
+          <p:cNvPr id="4" name="Picture 3">
+            <a:extLst>
+              <a:ext uri="{FF2B5EF4-FFF2-40B4-BE49-F238E27FC236}">
+                <a16:creationId xmlns:a16="http://schemas.microsoft.com/office/drawing/2014/main" id="{F717AD2B-8CBD-D15F-2B82-C04AB4107C06}"/>
+              </a:ext>
+            </a:extLst>
+          </p:cNvPr>
+          <p:cNvPicPr>
+            <a:picLocks noChangeAspect="1"/>
+          </p:cNvPicPr>
+          <p:nvPr/>
+        </p:nvPicPr>
+        <p:blipFill>
+          <a:blip r:embed="rId3"/>
+          <a:stretch>
+            <a:fillRect/>
+          </a:stretch>
+        </p:blipFill>
+        <p:spPr>
+          <a:xfrm>
+            <a:off x="6477000" y="971550"/>
+            <a:ext cx="2514599" cy="2982432"/>
+          </a:xfrm>
+          <a:prstGeom prst="rect">
+            <a:avLst/>
+          </a:prstGeom>
+        </p:spPr>
+      </p:pic>
+      <p:sp>
+        <p:nvSpPr>
+          <p:cNvPr id="5" name="TextBox 4">
+            <a:extLst>
+              <a:ext uri="{FF2B5EF4-FFF2-40B4-BE49-F238E27FC236}">
+                <a16:creationId xmlns:a16="http://schemas.microsoft.com/office/drawing/2014/main" id="{E0376106-D0E3-FDF1-30DD-702D60BB3347}"/>
+              </a:ext>
+            </a:extLst>
+          </p:cNvPr>
+          <p:cNvSpPr txBox="1"/>
+          <p:nvPr/>
+        </p:nvSpPr>
+        <p:spPr>
+          <a:xfrm>
+            <a:off x="304800" y="910727"/>
+            <a:ext cx="5943599" cy="2554545"/>
+          </a:xfrm>
+          <a:prstGeom prst="rect">
+            <a:avLst/>
+          </a:prstGeom>
+          <a:noFill/>
+        </p:spPr>
+        <p:txBody>
+          <a:bodyPr wrap="square">
+            <a:spAutoFit/>
+          </a:bodyPr>
+          <a:lstStyle/>
+          <a:p>
+            <a:r>
+              <a:rPr lang="en-US" sz="1600" b="1" dirty="0" err="1">
+                <a:latin typeface="Roboto Condensed" panose="02000000000000000000" pitchFamily="2" charset="0"/>
+                <a:ea typeface="Roboto Condensed" panose="02000000000000000000" pitchFamily="2" charset="0"/>
+              </a:rPr>
+              <a:t>pubspec.yaml</a:t>
+            </a:r>
+            <a:r>
+              <a:rPr lang="en-US" sz="1600" b="1" dirty="0">
+                <a:latin typeface="Roboto Condensed" panose="02000000000000000000" pitchFamily="2" charset="0"/>
+                <a:ea typeface="Roboto Condensed" panose="02000000000000000000" pitchFamily="2" charset="0"/>
+              </a:rPr>
+              <a:t>:</a:t>
+            </a:r>
+            <a:r>
+              <a:rPr lang="en-US" sz="1600" dirty="0">
+                <a:latin typeface="Roboto Condensed" panose="02000000000000000000" pitchFamily="2" charset="0"/>
+                <a:ea typeface="Roboto Condensed" panose="02000000000000000000" pitchFamily="2" charset="0"/>
+              </a:rPr>
+              <a:t> </a:t>
+            </a:r>
+          </a:p>
+          <a:p>
+            <a:endParaRPr lang="en-US" sz="1600" dirty="0">
+              <a:latin typeface="Roboto Condensed" panose="02000000000000000000" pitchFamily="2" charset="0"/>
+              <a:ea typeface="Roboto Condensed" panose="02000000000000000000" pitchFamily="2" charset="0"/>
+            </a:endParaRPr>
+          </a:p>
+          <a:p>
+            <a:r>
+              <a:rPr lang="en-US" sz="1600" dirty="0">
+                <a:latin typeface="Roboto Condensed" panose="02000000000000000000" pitchFamily="2" charset="0"/>
+                <a:ea typeface="Roboto Condensed" panose="02000000000000000000" pitchFamily="2" charset="0"/>
+              </a:rPr>
+              <a:t>It is the project's configuration file that will use a lot during working with the Flutter project. It allows you how your application works. This file contains- </a:t>
+            </a:r>
+          </a:p>
+          <a:p>
+            <a:endParaRPr lang="en-US" sz="1600" dirty="0">
+              <a:latin typeface="Roboto Condensed" panose="02000000000000000000" pitchFamily="2" charset="0"/>
+              <a:ea typeface="Roboto Condensed" panose="02000000000000000000" pitchFamily="2" charset="0"/>
+            </a:endParaRPr>
+          </a:p>
+          <a:p>
+            <a:pPr marL="285750" indent="-285750">
+              <a:buFont typeface="Arial" panose="020B0604020202020204" pitchFamily="34" charset="0"/>
+              <a:buChar char="•"/>
+            </a:pPr>
+            <a:r>
+              <a:rPr lang="en-US" sz="1600" dirty="0">
+                <a:latin typeface="Roboto Condensed" panose="02000000000000000000" pitchFamily="2" charset="0"/>
+                <a:ea typeface="Roboto Condensed" panose="02000000000000000000" pitchFamily="2" charset="0"/>
+              </a:rPr>
+              <a:t>Project general settings such as name</a:t>
+            </a:r>
+          </a:p>
+          <a:p>
+            <a:pPr marL="285750" indent="-285750">
+              <a:buFont typeface="Arial" panose="020B0604020202020204" pitchFamily="34" charset="0"/>
+              <a:buChar char="•"/>
+            </a:pPr>
+            <a:r>
+              <a:rPr lang="en-US" sz="1600" dirty="0">
+                <a:latin typeface="Roboto Condensed" panose="02000000000000000000" pitchFamily="2" charset="0"/>
+                <a:ea typeface="Roboto Condensed" panose="02000000000000000000" pitchFamily="2" charset="0"/>
+              </a:rPr>
+              <a:t>Description, and version of the project.</a:t>
+            </a:r>
+          </a:p>
+          <a:p>
+            <a:pPr marL="285750" indent="-285750">
+              <a:buFont typeface="Arial" panose="020B0604020202020204" pitchFamily="34" charset="0"/>
+              <a:buChar char="•"/>
+            </a:pPr>
+            <a:r>
+              <a:rPr lang="en-US" sz="1600" dirty="0">
+                <a:latin typeface="Roboto Condensed" panose="02000000000000000000" pitchFamily="2" charset="0"/>
+                <a:ea typeface="Roboto Condensed" panose="02000000000000000000" pitchFamily="2" charset="0"/>
+              </a:rPr>
+              <a:t>Project dependencies.</a:t>
+            </a:r>
+          </a:p>
+          <a:p>
+            <a:pPr marL="285750" indent="-285750">
+              <a:buFont typeface="Arial" panose="020B0604020202020204" pitchFamily="34" charset="0"/>
+              <a:buChar char="•"/>
+            </a:pPr>
+            <a:r>
+              <a:rPr lang="en-US" sz="1600" dirty="0">
+                <a:latin typeface="Roboto Condensed" panose="02000000000000000000" pitchFamily="2" charset="0"/>
+                <a:ea typeface="Roboto Condensed" panose="02000000000000000000" pitchFamily="2" charset="0"/>
+              </a:rPr>
+              <a:t>Project assets (e.g., images).</a:t>
+            </a:r>
+          </a:p>
+        </p:txBody>
+      </p:sp>
+    </p:spTree>
+    <p:extLst>
+      <p:ext uri="{BB962C8B-B14F-4D97-AF65-F5344CB8AC3E}">
+        <p14:creationId xmlns:p14="http://schemas.microsoft.com/office/powerpoint/2010/main" val="2254179081"/>
+      </p:ext>
+    </p:extLst>
+  </p:cSld>
+  <p:clrMapOvr>
+    <a:masterClrMapping/>
+  </p:clrMapOvr>
+</p:sld>
+</file>
+
+<file path=ppt/slides/slide15.xml><?xml version="1.0" encoding="utf-8"?>
+<p:sld xmlns:a="http://schemas.openxmlformats.org/drawingml/2006/main" xmlns:r="http://schemas.openxmlformats.org/officeDocument/2006/relationships" xmlns:p="http://schemas.openxmlformats.org/presentationml/2006/main">
+  <p:cSld>
+    <p:bg>
+      <p:bgPr>
+        <a:blipFill dpi="0" rotWithShape="1">
+          <a:blip r:embed="rId2">
+            <a:lum/>
+          </a:blip>
+          <a:srcRect/>
+          <a:stretch>
+            <a:fillRect l="-1000" r="-1000"/>
+          </a:stretch>
+        </a:blipFill>
+        <a:effectLst/>
+      </p:bgPr>
+    </p:bg>
+    <p:spTree>
+      <p:nvGrpSpPr>
+        <p:cNvPr id="1" name=""/>
+        <p:cNvGrpSpPr/>
+        <p:nvPr/>
+      </p:nvGrpSpPr>
+      <p:grpSpPr>
+        <a:xfrm>
+          <a:off x="0" y="0"/>
+          <a:ext cx="0" cy="0"/>
+          <a:chOff x="0" y="0"/>
+          <a:chExt cx="0" cy="0"/>
+        </a:xfrm>
+      </p:grpSpPr>
+      <p:sp>
+        <p:nvSpPr>
+          <p:cNvPr id="3" name="Rectangle 2"/>
+          <p:cNvSpPr/>
+          <p:nvPr/>
+        </p:nvSpPr>
+        <p:spPr>
+          <a:xfrm>
+            <a:off x="685800" y="133350"/>
+            <a:ext cx="2763898" cy="369332"/>
+          </a:xfrm>
+          <a:prstGeom prst="rect">
+            <a:avLst/>
+          </a:prstGeom>
+        </p:spPr>
+        <p:txBody>
+          <a:bodyPr wrap="none">
+            <a:spAutoFit/>
+          </a:bodyPr>
+          <a:lstStyle/>
+          <a:p>
+            <a:r>
+              <a:rPr lang="en-US" b="1" dirty="0">
+                <a:solidFill>
+                  <a:srgbClr val="0070C0"/>
+                </a:solidFill>
+                <a:latin typeface="Roboto" panose="02000000000000000000" pitchFamily="2" charset="0"/>
+                <a:ea typeface="Roboto" panose="02000000000000000000" pitchFamily="2" charset="0"/>
+              </a:rPr>
+              <a:t>Flutter Project Structure </a:t>
+            </a:r>
+          </a:p>
+        </p:txBody>
+      </p:sp>
+      <p:pic>
+        <p:nvPicPr>
+          <p:cNvPr id="4" name="Picture 3">
+            <a:extLst>
+              <a:ext uri="{FF2B5EF4-FFF2-40B4-BE49-F238E27FC236}">
+                <a16:creationId xmlns:a16="http://schemas.microsoft.com/office/drawing/2014/main" id="{F717AD2B-8CBD-D15F-2B82-C04AB4107C06}"/>
+              </a:ext>
+            </a:extLst>
+          </p:cNvPr>
+          <p:cNvPicPr>
+            <a:picLocks noChangeAspect="1"/>
+          </p:cNvPicPr>
+          <p:nvPr/>
+        </p:nvPicPr>
+        <p:blipFill>
+          <a:blip r:embed="rId3"/>
+          <a:stretch>
+            <a:fillRect/>
+          </a:stretch>
+        </p:blipFill>
+        <p:spPr>
+          <a:xfrm>
+            <a:off x="6477000" y="971550"/>
+            <a:ext cx="2514599" cy="2982432"/>
+          </a:xfrm>
+          <a:prstGeom prst="rect">
+            <a:avLst/>
+          </a:prstGeom>
+        </p:spPr>
+      </p:pic>
+      <p:sp>
+        <p:nvSpPr>
+          <p:cNvPr id="5" name="TextBox 4">
+            <a:extLst>
+              <a:ext uri="{FF2B5EF4-FFF2-40B4-BE49-F238E27FC236}">
+                <a16:creationId xmlns:a16="http://schemas.microsoft.com/office/drawing/2014/main" id="{E0376106-D0E3-FDF1-30DD-702D60BB3347}"/>
+              </a:ext>
+            </a:extLst>
+          </p:cNvPr>
+          <p:cNvSpPr txBox="1"/>
+          <p:nvPr/>
+        </p:nvSpPr>
+        <p:spPr>
+          <a:xfrm>
+            <a:off x="304800" y="910727"/>
+            <a:ext cx="5943599" cy="1036181"/>
+          </a:xfrm>
+          <a:prstGeom prst="rect">
+            <a:avLst/>
+          </a:prstGeom>
+          <a:noFill/>
+        </p:spPr>
+        <p:txBody>
+          <a:bodyPr wrap="square">
+            <a:spAutoFit/>
+          </a:bodyPr>
+          <a:lstStyle/>
+          <a:p>
+            <a:r>
+              <a:rPr lang="en-US" sz="1600" b="1" dirty="0" err="1">
+                <a:latin typeface="Roboto Condensed" panose="02000000000000000000" pitchFamily="2" charset="0"/>
+                <a:ea typeface="Roboto Condensed" panose="02000000000000000000" pitchFamily="2" charset="0"/>
+              </a:rPr>
+              <a:t>pubspec.lock</a:t>
+            </a:r>
+            <a:r>
+              <a:rPr lang="en-US" sz="1600" b="1" dirty="0">
+                <a:latin typeface="Roboto Condensed" panose="02000000000000000000" pitchFamily="2" charset="0"/>
+                <a:ea typeface="Roboto Condensed" panose="02000000000000000000" pitchFamily="2" charset="0"/>
+              </a:rPr>
+              <a:t>:</a:t>
+            </a:r>
+          </a:p>
+          <a:p>
+            <a:pPr marL="285750" indent="-285750">
+              <a:lnSpc>
+                <a:spcPct val="150000"/>
+              </a:lnSpc>
+              <a:buFont typeface="Arial" panose="020B0604020202020204" pitchFamily="34" charset="0"/>
+              <a:buChar char="•"/>
+            </a:pPr>
+            <a:r>
+              <a:rPr lang="en-US" sz="1600" dirty="0">
+                <a:latin typeface="Roboto Condensed" panose="02000000000000000000" pitchFamily="2" charset="0"/>
+                <a:ea typeface="Roboto Condensed" panose="02000000000000000000" pitchFamily="2" charset="0"/>
+              </a:rPr>
+              <a:t>It is an auto-generated file based on the .</a:t>
+            </a:r>
+            <a:r>
+              <a:rPr lang="en-US" sz="1600" dirty="0" err="1">
+                <a:latin typeface="Roboto Condensed" panose="02000000000000000000" pitchFamily="2" charset="0"/>
+                <a:ea typeface="Roboto Condensed" panose="02000000000000000000" pitchFamily="2" charset="0"/>
+              </a:rPr>
+              <a:t>yaml</a:t>
+            </a:r>
+            <a:r>
+              <a:rPr lang="en-US" sz="1600" dirty="0">
+                <a:latin typeface="Roboto Condensed" panose="02000000000000000000" pitchFamily="2" charset="0"/>
+                <a:ea typeface="Roboto Condensed" panose="02000000000000000000" pitchFamily="2" charset="0"/>
+              </a:rPr>
+              <a:t> file.</a:t>
+            </a:r>
+          </a:p>
+          <a:p>
+            <a:pPr marL="285750" indent="-285750">
+              <a:lnSpc>
+                <a:spcPct val="150000"/>
+              </a:lnSpc>
+              <a:buFont typeface="Arial" panose="020B0604020202020204" pitchFamily="34" charset="0"/>
+              <a:buChar char="•"/>
+            </a:pPr>
+            <a:r>
+              <a:rPr lang="en-US" sz="1600" dirty="0">
+                <a:latin typeface="Roboto Condensed" panose="02000000000000000000" pitchFamily="2" charset="0"/>
+                <a:ea typeface="Roboto Condensed" panose="02000000000000000000" pitchFamily="2" charset="0"/>
+              </a:rPr>
+              <a:t>It holds more detail setup about all dependencies.</a:t>
+            </a:r>
+          </a:p>
+        </p:txBody>
+      </p:sp>
+    </p:spTree>
+    <p:extLst>
+      <p:ext uri="{BB962C8B-B14F-4D97-AF65-F5344CB8AC3E}">
+        <p14:creationId xmlns:p14="http://schemas.microsoft.com/office/powerpoint/2010/main" val="2848161032"/>
+      </p:ext>
+    </p:extLst>
+  </p:cSld>
+  <p:clrMapOvr>
+    <a:masterClrMapping/>
+  </p:clrMapOvr>
 </p:sld>
 </file>
 
@@ -3176,25 +4593,8 @@
                 <a:latin typeface="Roboto" panose="02000000000000000000" pitchFamily="2" charset="0"/>
                 <a:ea typeface="Roboto" panose="02000000000000000000" pitchFamily="2" charset="0"/>
               </a:rPr>
-              <a:t>Flutter </a:t>
-            </a:r>
-            <a:r>
-              <a:rPr lang="en-US" b="1" dirty="0" smtClean="0">
-                <a:solidFill>
-                  <a:srgbClr val="0070C0"/>
-                </a:solidFill>
-                <a:latin typeface="Roboto" panose="02000000000000000000" pitchFamily="2" charset="0"/>
-                <a:ea typeface="Roboto" panose="02000000000000000000" pitchFamily="2" charset="0"/>
-              </a:rPr>
-              <a:t>Features </a:t>
-            </a:r>
-            <a:endParaRPr lang="en-US" b="1" dirty="0">
-              <a:solidFill>
-                <a:srgbClr val="0070C0"/>
-              </a:solidFill>
-              <a:latin typeface="Roboto" panose="02000000000000000000" pitchFamily="2" charset="0"/>
-              <a:ea typeface="Roboto" panose="02000000000000000000" pitchFamily="2" charset="0"/>
-            </a:endParaRPr>
+              <a:t>Flutter Features </a:t>
+            </a:r>
           </a:p>
         </p:txBody>
       </p:sp>
@@ -3481,13 +4881,6 @@
               </a:rPr>
               <a:t>Flutter Installation</a:t>
             </a:r>
-            <a:endParaRPr lang="en-US" b="1" dirty="0">
-              <a:solidFill>
-                <a:srgbClr val="0070C0"/>
-              </a:solidFill>
-              <a:latin typeface="Roboto" panose="02000000000000000000" pitchFamily="2" charset="0"/>
-              <a:ea typeface="Roboto" panose="02000000000000000000" pitchFamily="2" charset="0"/>
-            </a:endParaRPr>
           </a:p>
         </p:txBody>
       </p:sp>
@@ -3531,13 +4924,6 @@
   <p:clrMapOvr>
     <a:masterClrMapping/>
   </p:clrMapOvr>
-  <p:timing>
-    <p:tnLst>
-      <p:par>
-        <p:cTn id="1" dur="indefinite" restart="never" nodeType="tmRoot"/>
-      </p:par>
-    </p:tnLst>
-  </p:timing>
 </p:sld>
 </file>
 
@@ -3594,7 +4980,7 @@
           <a:lstStyle/>
           <a:p>
             <a:r>
-              <a:rPr lang="en-US" b="1" dirty="0" smtClean="0">
+              <a:rPr lang="en-US" b="1" dirty="0">
                 <a:solidFill>
                   <a:srgbClr val="0070C0"/>
                 </a:solidFill>
@@ -3603,13 +4989,6 @@
               </a:rPr>
               <a:t>Install Android Studio </a:t>
             </a:r>
-            <a:endParaRPr lang="en-US" b="1" dirty="0">
-              <a:solidFill>
-                <a:srgbClr val="0070C0"/>
-              </a:solidFill>
-              <a:latin typeface="Roboto" panose="02000000000000000000" pitchFamily="2" charset="0"/>
-              <a:ea typeface="Roboto" panose="02000000000000000000" pitchFamily="2" charset="0"/>
-            </a:endParaRPr>
           </a:p>
         </p:txBody>
       </p:sp>
@@ -3635,58 +5014,29 @@
           <a:lstStyle/>
           <a:p>
             <a:r>
-              <a:rPr lang="en-US" sz="1600" dirty="0" smtClean="0">
-                <a:latin typeface="Roboto" panose="02000000000000000000" pitchFamily="2" charset="0"/>
-                <a:ea typeface="Roboto" panose="02000000000000000000" pitchFamily="2" charset="0"/>
-              </a:rPr>
-              <a:t>Get </a:t>
-            </a:r>
-            <a:r>
               <a:rPr lang="en-US" sz="1600" dirty="0">
                 <a:latin typeface="Roboto" panose="02000000000000000000" pitchFamily="2" charset="0"/>
                 <a:ea typeface="Roboto" panose="02000000000000000000" pitchFamily="2" charset="0"/>
               </a:rPr>
-              <a:t>the official Integrated </a:t>
-            </a:r>
-            <a:endParaRPr lang="en-US" sz="1600" dirty="0" smtClean="0">
-              <a:latin typeface="Roboto" panose="02000000000000000000" pitchFamily="2" charset="0"/>
-              <a:ea typeface="Roboto" panose="02000000000000000000" pitchFamily="2" charset="0"/>
-            </a:endParaRPr>
-          </a:p>
-          <a:p>
-            <a:r>
-              <a:rPr lang="en-US" sz="1600" dirty="0" smtClean="0">
-                <a:latin typeface="Roboto" panose="02000000000000000000" pitchFamily="2" charset="0"/>
-                <a:ea typeface="Roboto" panose="02000000000000000000" pitchFamily="2" charset="0"/>
-              </a:rPr>
-              <a:t>Development </a:t>
-            </a:r>
+              <a:t>Get the official Integrated </a:t>
+            </a:r>
+          </a:p>
+          <a:p>
             <a:r>
               <a:rPr lang="en-US" sz="1600" dirty="0">
                 <a:latin typeface="Roboto" panose="02000000000000000000" pitchFamily="2" charset="0"/>
                 <a:ea typeface="Roboto" panose="02000000000000000000" pitchFamily="2" charset="0"/>
               </a:rPr>
-              <a:t>Environment (IDE) </a:t>
-            </a:r>
-            <a:endParaRPr lang="en-US" sz="1600" dirty="0" smtClean="0">
-              <a:latin typeface="Roboto" panose="02000000000000000000" pitchFamily="2" charset="0"/>
-              <a:ea typeface="Roboto" panose="02000000000000000000" pitchFamily="2" charset="0"/>
-            </a:endParaRPr>
-          </a:p>
-          <a:p>
-            <a:r>
-              <a:rPr lang="en-US" sz="1600" dirty="0" smtClean="0">
-                <a:latin typeface="Roboto" panose="02000000000000000000" pitchFamily="2" charset="0"/>
-                <a:ea typeface="Roboto" panose="02000000000000000000" pitchFamily="2" charset="0"/>
-              </a:rPr>
-              <a:t>for </a:t>
-            </a:r>
+              <a:t>Development Environment (IDE) </a:t>
+            </a:r>
+          </a:p>
+          <a:p>
             <a:r>
               <a:rPr lang="en-US" sz="1600" dirty="0">
                 <a:latin typeface="Roboto" panose="02000000000000000000" pitchFamily="2" charset="0"/>
                 <a:ea typeface="Roboto" panose="02000000000000000000" pitchFamily="2" charset="0"/>
               </a:rPr>
-              <a:t>Android app development.</a:t>
+              <a:t>for Android app development.</a:t>
             </a:r>
           </a:p>
         </p:txBody>
@@ -3868,6 +5218,1710 @@
     </p:tnLst>
     <p:bldLst>
       <p:bldP spid="6" grpId="0"/>
+    </p:bldLst>
+  </p:timing>
+</p:sld>
+</file>
+
+<file path=ppt/slides/slide5.xml><?xml version="1.0" encoding="utf-8"?>
+<p:sld xmlns:a="http://schemas.openxmlformats.org/drawingml/2006/main" xmlns:r="http://schemas.openxmlformats.org/officeDocument/2006/relationships" xmlns:p="http://schemas.openxmlformats.org/presentationml/2006/main">
+  <p:cSld>
+    <p:bg>
+      <p:bgPr>
+        <a:blipFill dpi="0" rotWithShape="1">
+          <a:blip r:embed="rId2">
+            <a:lum/>
+          </a:blip>
+          <a:srcRect/>
+          <a:stretch>
+            <a:fillRect l="-1000" r="-1000"/>
+          </a:stretch>
+        </a:blipFill>
+        <a:effectLst/>
+      </p:bgPr>
+    </p:bg>
+    <p:spTree>
+      <p:nvGrpSpPr>
+        <p:cNvPr id="1" name=""/>
+        <p:cNvGrpSpPr/>
+        <p:nvPr/>
+      </p:nvGrpSpPr>
+      <p:grpSpPr>
+        <a:xfrm>
+          <a:off x="0" y="0"/>
+          <a:ext cx="0" cy="0"/>
+          <a:chOff x="0" y="0"/>
+          <a:chExt cx="0" cy="0"/>
+        </a:xfrm>
+      </p:grpSpPr>
+      <p:sp>
+        <p:nvSpPr>
+          <p:cNvPr id="3" name="Rectangle 2"/>
+          <p:cNvSpPr/>
+          <p:nvPr/>
+        </p:nvSpPr>
+        <p:spPr>
+          <a:xfrm>
+            <a:off x="685800" y="133350"/>
+            <a:ext cx="2762295" cy="369332"/>
+          </a:xfrm>
+          <a:prstGeom prst="rect">
+            <a:avLst/>
+          </a:prstGeom>
+        </p:spPr>
+        <p:txBody>
+          <a:bodyPr wrap="none">
+            <a:spAutoFit/>
+          </a:bodyPr>
+          <a:lstStyle/>
+          <a:p>
+            <a:r>
+              <a:rPr lang="en-US" b="1" dirty="0">
+                <a:solidFill>
+                  <a:srgbClr val="0070C0"/>
+                </a:solidFill>
+                <a:latin typeface="Roboto" panose="02000000000000000000" pitchFamily="2" charset="0"/>
+                <a:ea typeface="Roboto" panose="02000000000000000000" pitchFamily="2" charset="0"/>
+              </a:rPr>
+              <a:t>Install Flutter Extensions</a:t>
+            </a:r>
+          </a:p>
+        </p:txBody>
+      </p:sp>
+      <p:pic>
+        <p:nvPicPr>
+          <p:cNvPr id="4" name="Picture 3">
+            <a:extLst>
+              <a:ext uri="{FF2B5EF4-FFF2-40B4-BE49-F238E27FC236}">
+                <a16:creationId xmlns:a16="http://schemas.microsoft.com/office/drawing/2014/main" id="{3A60D467-9335-D260-C03A-BE9A10801B85}"/>
+              </a:ext>
+            </a:extLst>
+          </p:cNvPr>
+          <p:cNvPicPr>
+            <a:picLocks noChangeAspect="1"/>
+          </p:cNvPicPr>
+          <p:nvPr/>
+        </p:nvPicPr>
+        <p:blipFill>
+          <a:blip r:embed="rId3"/>
+          <a:stretch>
+            <a:fillRect/>
+          </a:stretch>
+        </p:blipFill>
+        <p:spPr>
+          <a:xfrm>
+            <a:off x="5791200" y="822095"/>
+            <a:ext cx="2971800" cy="2147364"/>
+          </a:xfrm>
+          <a:prstGeom prst="rect">
+            <a:avLst/>
+          </a:prstGeom>
+        </p:spPr>
+      </p:pic>
+      <p:pic>
+        <p:nvPicPr>
+          <p:cNvPr id="7" name="Picture 6">
+            <a:extLst>
+              <a:ext uri="{FF2B5EF4-FFF2-40B4-BE49-F238E27FC236}">
+                <a16:creationId xmlns:a16="http://schemas.microsoft.com/office/drawing/2014/main" id="{67D9C20A-4DA7-2386-01C3-0BBABFBA31C4}"/>
+              </a:ext>
+            </a:extLst>
+          </p:cNvPr>
+          <p:cNvPicPr>
+            <a:picLocks noChangeAspect="1"/>
+          </p:cNvPicPr>
+          <p:nvPr/>
+        </p:nvPicPr>
+        <p:blipFill rotWithShape="1">
+          <a:blip r:embed="rId4"/>
+          <a:srcRect r="2695"/>
+          <a:stretch/>
+        </p:blipFill>
+        <p:spPr>
+          <a:xfrm>
+            <a:off x="143359" y="742950"/>
+            <a:ext cx="5503575" cy="2305654"/>
+          </a:xfrm>
+          <a:prstGeom prst="rect">
+            <a:avLst/>
+          </a:prstGeom>
+        </p:spPr>
+      </p:pic>
+    </p:spTree>
+    <p:extLst>
+      <p:ext uri="{BB962C8B-B14F-4D97-AF65-F5344CB8AC3E}">
+        <p14:creationId xmlns:p14="http://schemas.microsoft.com/office/powerpoint/2010/main" val="2349205236"/>
+      </p:ext>
+    </p:extLst>
+  </p:cSld>
+  <p:clrMapOvr>
+    <a:masterClrMapping/>
+  </p:clrMapOvr>
+  <p:timing>
+    <p:tnLst>
+      <p:par>
+        <p:cTn id="1" dur="indefinite" restart="never" nodeType="tmRoot">
+          <p:childTnLst>
+            <p:seq concurrent="1" nextAc="seek">
+              <p:cTn id="2" dur="indefinite" nodeType="mainSeq">
+                <p:childTnLst>
+                  <p:par>
+                    <p:cTn id="3" fill="hold">
+                      <p:stCondLst>
+                        <p:cond delay="indefinite"/>
+                      </p:stCondLst>
+                      <p:childTnLst>
+                        <p:par>
+                          <p:cTn id="4" fill="hold">
+                            <p:stCondLst>
+                              <p:cond delay="0"/>
+                            </p:stCondLst>
+                            <p:childTnLst>
+                              <p:par>
+                                <p:cTn id="5" presetID="22" presetClass="entr" presetSubtype="4" fill="hold" nodeType="clickEffect">
+                                  <p:stCondLst>
+                                    <p:cond delay="0"/>
+                                  </p:stCondLst>
+                                  <p:childTnLst>
+                                    <p:set>
+                                      <p:cBhvr>
+                                        <p:cTn id="6" dur="1" fill="hold">
+                                          <p:stCondLst>
+                                            <p:cond delay="0"/>
+                                          </p:stCondLst>
+                                        </p:cTn>
+                                        <p:tgtEl>
+                                          <p:spTgt spid="7"/>
+                                        </p:tgtEl>
+                                        <p:attrNameLst>
+                                          <p:attrName>style.visibility</p:attrName>
+                                        </p:attrNameLst>
+                                      </p:cBhvr>
+                                      <p:to>
+                                        <p:strVal val="visible"/>
+                                      </p:to>
+                                    </p:set>
+                                    <p:animEffect transition="in" filter="wipe(down)">
+                                      <p:cBhvr>
+                                        <p:cTn id="7" dur="500"/>
+                                        <p:tgtEl>
+                                          <p:spTgt spid="7"/>
+                                        </p:tgtEl>
+                                      </p:cBhvr>
+                                    </p:animEffect>
+                                  </p:childTnLst>
+                                </p:cTn>
+                              </p:par>
+                            </p:childTnLst>
+                          </p:cTn>
+                        </p:par>
+                      </p:childTnLst>
+                    </p:cTn>
+                  </p:par>
+                  <p:par>
+                    <p:cTn id="8" fill="hold">
+                      <p:stCondLst>
+                        <p:cond delay="indefinite"/>
+                      </p:stCondLst>
+                      <p:childTnLst>
+                        <p:par>
+                          <p:cTn id="9" fill="hold">
+                            <p:stCondLst>
+                              <p:cond delay="0"/>
+                            </p:stCondLst>
+                            <p:childTnLst>
+                              <p:par>
+                                <p:cTn id="10" presetID="22" presetClass="entr" presetSubtype="4" fill="hold" nodeType="clickEffect">
+                                  <p:stCondLst>
+                                    <p:cond delay="0"/>
+                                  </p:stCondLst>
+                                  <p:childTnLst>
+                                    <p:set>
+                                      <p:cBhvr>
+                                        <p:cTn id="11" dur="1" fill="hold">
+                                          <p:stCondLst>
+                                            <p:cond delay="0"/>
+                                          </p:stCondLst>
+                                        </p:cTn>
+                                        <p:tgtEl>
+                                          <p:spTgt spid="4"/>
+                                        </p:tgtEl>
+                                        <p:attrNameLst>
+                                          <p:attrName>style.visibility</p:attrName>
+                                        </p:attrNameLst>
+                                      </p:cBhvr>
+                                      <p:to>
+                                        <p:strVal val="visible"/>
+                                      </p:to>
+                                    </p:set>
+                                    <p:animEffect transition="in" filter="wipe(down)">
+                                      <p:cBhvr>
+                                        <p:cTn id="12" dur="500"/>
+                                        <p:tgtEl>
+                                          <p:spTgt spid="4"/>
+                                        </p:tgtEl>
+                                      </p:cBhvr>
+                                    </p:animEffect>
+                                  </p:childTnLst>
+                                </p:cTn>
+                              </p:par>
+                            </p:childTnLst>
+                          </p:cTn>
+                        </p:par>
+                      </p:childTnLst>
+                    </p:cTn>
+                  </p:par>
+                </p:childTnLst>
+              </p:cTn>
+              <p:prevCondLst>
+                <p:cond evt="onPrev" delay="0">
+                  <p:tgtEl>
+                    <p:sldTgt/>
+                  </p:tgtEl>
+                </p:cond>
+              </p:prevCondLst>
+              <p:nextCondLst>
+                <p:cond evt="onNext" delay="0">
+                  <p:tgtEl>
+                    <p:sldTgt/>
+                  </p:tgtEl>
+                </p:cond>
+              </p:nextCondLst>
+            </p:seq>
+          </p:childTnLst>
+        </p:cTn>
+      </p:par>
+    </p:tnLst>
+  </p:timing>
+</p:sld>
+</file>
+
+<file path=ppt/slides/slide6.xml><?xml version="1.0" encoding="utf-8"?>
+<p:sld xmlns:a="http://schemas.openxmlformats.org/drawingml/2006/main" xmlns:r="http://schemas.openxmlformats.org/officeDocument/2006/relationships" xmlns:p="http://schemas.openxmlformats.org/presentationml/2006/main">
+  <p:cSld>
+    <p:bg>
+      <p:bgPr>
+        <a:blipFill dpi="0" rotWithShape="1">
+          <a:blip r:embed="rId2">
+            <a:lum/>
+          </a:blip>
+          <a:srcRect/>
+          <a:stretch>
+            <a:fillRect l="-1000" r="-1000"/>
+          </a:stretch>
+        </a:blipFill>
+        <a:effectLst/>
+      </p:bgPr>
+    </p:bg>
+    <p:spTree>
+      <p:nvGrpSpPr>
+        <p:cNvPr id="1" name=""/>
+        <p:cNvGrpSpPr/>
+        <p:nvPr/>
+      </p:nvGrpSpPr>
+      <p:grpSpPr>
+        <a:xfrm>
+          <a:off x="0" y="0"/>
+          <a:ext cx="0" cy="0"/>
+          <a:chOff x="0" y="0"/>
+          <a:chExt cx="0" cy="0"/>
+        </a:xfrm>
+      </p:grpSpPr>
+      <p:sp>
+        <p:nvSpPr>
+          <p:cNvPr id="3" name="Rectangle 2"/>
+          <p:cNvSpPr/>
+          <p:nvPr/>
+        </p:nvSpPr>
+        <p:spPr>
+          <a:xfrm>
+            <a:off x="685800" y="133350"/>
+            <a:ext cx="3834704" cy="369332"/>
+          </a:xfrm>
+          <a:prstGeom prst="rect">
+            <a:avLst/>
+          </a:prstGeom>
+        </p:spPr>
+        <p:txBody>
+          <a:bodyPr wrap="none">
+            <a:spAutoFit/>
+          </a:bodyPr>
+          <a:lstStyle/>
+          <a:p>
+            <a:r>
+              <a:rPr lang="en-US" b="1" dirty="0">
+                <a:solidFill>
+                  <a:srgbClr val="0070C0"/>
+                </a:solidFill>
+                <a:latin typeface="Roboto" panose="02000000000000000000" pitchFamily="2" charset="0"/>
+                <a:ea typeface="Roboto" panose="02000000000000000000" pitchFamily="2" charset="0"/>
+              </a:rPr>
+              <a:t>Create &amp; Run Your First Flutter App</a:t>
+            </a:r>
+          </a:p>
+        </p:txBody>
+      </p:sp>
+      <p:pic>
+        <p:nvPicPr>
+          <p:cNvPr id="5" name="Picture 4">
+            <a:extLst>
+              <a:ext uri="{FF2B5EF4-FFF2-40B4-BE49-F238E27FC236}">
+                <a16:creationId xmlns:a16="http://schemas.microsoft.com/office/drawing/2014/main" id="{653C8343-D5F6-5904-F4D0-B742B97D78A8}"/>
+              </a:ext>
+            </a:extLst>
+          </p:cNvPr>
+          <p:cNvPicPr>
+            <a:picLocks noChangeAspect="1"/>
+          </p:cNvPicPr>
+          <p:nvPr/>
+        </p:nvPicPr>
+        <p:blipFill>
+          <a:blip r:embed="rId3"/>
+          <a:stretch>
+            <a:fillRect/>
+          </a:stretch>
+        </p:blipFill>
+        <p:spPr>
+          <a:xfrm>
+            <a:off x="685800" y="918192"/>
+            <a:ext cx="1905000" cy="3307115"/>
+          </a:xfrm>
+          <a:prstGeom prst="rect">
+            <a:avLst/>
+          </a:prstGeom>
+        </p:spPr>
+      </p:pic>
+    </p:spTree>
+    <p:extLst>
+      <p:ext uri="{BB962C8B-B14F-4D97-AF65-F5344CB8AC3E}">
+        <p14:creationId xmlns:p14="http://schemas.microsoft.com/office/powerpoint/2010/main" val="2833651401"/>
+      </p:ext>
+    </p:extLst>
+  </p:cSld>
+  <p:clrMapOvr>
+    <a:masterClrMapping/>
+  </p:clrMapOvr>
+</p:sld>
+</file>
+
+<file path=ppt/slides/slide7.xml><?xml version="1.0" encoding="utf-8"?>
+<p:sld xmlns:a="http://schemas.openxmlformats.org/drawingml/2006/main" xmlns:r="http://schemas.openxmlformats.org/officeDocument/2006/relationships" xmlns:p="http://schemas.openxmlformats.org/presentationml/2006/main">
+  <p:cSld>
+    <p:bg>
+      <p:bgPr>
+        <a:blipFill dpi="0" rotWithShape="1">
+          <a:blip r:embed="rId2">
+            <a:lum/>
+          </a:blip>
+          <a:srcRect/>
+          <a:stretch>
+            <a:fillRect l="-1000" r="-1000"/>
+          </a:stretch>
+        </a:blipFill>
+        <a:effectLst/>
+      </p:bgPr>
+    </p:bg>
+    <p:spTree>
+      <p:nvGrpSpPr>
+        <p:cNvPr id="1" name=""/>
+        <p:cNvGrpSpPr/>
+        <p:nvPr/>
+      </p:nvGrpSpPr>
+      <p:grpSpPr>
+        <a:xfrm>
+          <a:off x="0" y="0"/>
+          <a:ext cx="0" cy="0"/>
+          <a:chOff x="0" y="0"/>
+          <a:chExt cx="0" cy="0"/>
+        </a:xfrm>
+      </p:grpSpPr>
+      <p:sp>
+        <p:nvSpPr>
+          <p:cNvPr id="3" name="Rectangle 2"/>
+          <p:cNvSpPr/>
+          <p:nvPr/>
+        </p:nvSpPr>
+        <p:spPr>
+          <a:xfrm>
+            <a:off x="685800" y="133350"/>
+            <a:ext cx="2763898" cy="369332"/>
+          </a:xfrm>
+          <a:prstGeom prst="rect">
+            <a:avLst/>
+          </a:prstGeom>
+        </p:spPr>
+        <p:txBody>
+          <a:bodyPr wrap="none">
+            <a:spAutoFit/>
+          </a:bodyPr>
+          <a:lstStyle/>
+          <a:p>
+            <a:r>
+              <a:rPr lang="en-US" b="1" dirty="0">
+                <a:solidFill>
+                  <a:srgbClr val="0070C0"/>
+                </a:solidFill>
+                <a:latin typeface="Roboto" panose="02000000000000000000" pitchFamily="2" charset="0"/>
+                <a:ea typeface="Roboto" panose="02000000000000000000" pitchFamily="2" charset="0"/>
+              </a:rPr>
+              <a:t>Flutter Project Structure </a:t>
+            </a:r>
+          </a:p>
+        </p:txBody>
+      </p:sp>
+      <p:pic>
+        <p:nvPicPr>
+          <p:cNvPr id="4" name="Picture 3">
+            <a:extLst>
+              <a:ext uri="{FF2B5EF4-FFF2-40B4-BE49-F238E27FC236}">
+                <a16:creationId xmlns:a16="http://schemas.microsoft.com/office/drawing/2014/main" id="{F717AD2B-8CBD-D15F-2B82-C04AB4107C06}"/>
+              </a:ext>
+            </a:extLst>
+          </p:cNvPr>
+          <p:cNvPicPr>
+            <a:picLocks noChangeAspect="1"/>
+          </p:cNvPicPr>
+          <p:nvPr/>
+        </p:nvPicPr>
+        <p:blipFill>
+          <a:blip r:embed="rId3"/>
+          <a:stretch>
+            <a:fillRect/>
+          </a:stretch>
+        </p:blipFill>
+        <p:spPr>
+          <a:xfrm>
+            <a:off x="5715000" y="742950"/>
+            <a:ext cx="3276599" cy="3886200"/>
+          </a:xfrm>
+          <a:prstGeom prst="rect">
+            <a:avLst/>
+          </a:prstGeom>
+        </p:spPr>
+      </p:pic>
+      <p:sp>
+        <p:nvSpPr>
+          <p:cNvPr id="7" name="TextBox 6">
+            <a:extLst>
+              <a:ext uri="{FF2B5EF4-FFF2-40B4-BE49-F238E27FC236}">
+                <a16:creationId xmlns:a16="http://schemas.microsoft.com/office/drawing/2014/main" id="{D5175723-71CB-419F-22D4-E782F927EABB}"/>
+              </a:ext>
+            </a:extLst>
+          </p:cNvPr>
+          <p:cNvSpPr txBox="1"/>
+          <p:nvPr/>
+        </p:nvSpPr>
+        <p:spPr>
+          <a:xfrm>
+            <a:off x="685800" y="819150"/>
+            <a:ext cx="5029200" cy="1626086"/>
+          </a:xfrm>
+          <a:prstGeom prst="rect">
+            <a:avLst/>
+          </a:prstGeom>
+          <a:noFill/>
+        </p:spPr>
+        <p:txBody>
+          <a:bodyPr wrap="square">
+            <a:spAutoFit/>
+          </a:bodyPr>
+          <a:lstStyle/>
+          <a:p>
+            <a:r>
+              <a:rPr lang="en-US" b="1" u="sng" dirty="0">
+                <a:latin typeface="Roboto Condensed" panose="02000000000000000000" pitchFamily="2" charset="0"/>
+                <a:ea typeface="Roboto Condensed" panose="02000000000000000000" pitchFamily="2" charset="0"/>
+              </a:rPr>
+              <a:t>.idea:</a:t>
+            </a:r>
+            <a:r>
+              <a:rPr lang="en-US" u="sng" dirty="0">
+                <a:latin typeface="Roboto Condensed" panose="02000000000000000000" pitchFamily="2" charset="0"/>
+                <a:ea typeface="Roboto Condensed" panose="02000000000000000000" pitchFamily="2" charset="0"/>
+              </a:rPr>
+              <a:t> </a:t>
+            </a:r>
+          </a:p>
+          <a:p>
+            <a:pPr marL="285750" indent="-285750">
+              <a:lnSpc>
+                <a:spcPct val="150000"/>
+              </a:lnSpc>
+              <a:buFont typeface="Arial" panose="020B0604020202020204" pitchFamily="34" charset="0"/>
+              <a:buChar char="•"/>
+            </a:pPr>
+            <a:r>
+              <a:rPr lang="en-US" sz="1400" dirty="0">
+                <a:latin typeface="Roboto Condensed" panose="02000000000000000000" pitchFamily="2" charset="0"/>
+                <a:ea typeface="Roboto Condensed" panose="02000000000000000000" pitchFamily="2" charset="0"/>
+              </a:rPr>
+              <a:t>This folder is at the very top of the project structure.</a:t>
+            </a:r>
+          </a:p>
+          <a:p>
+            <a:pPr marL="285750" indent="-285750">
+              <a:lnSpc>
+                <a:spcPct val="150000"/>
+              </a:lnSpc>
+              <a:buFont typeface="Arial" panose="020B0604020202020204" pitchFamily="34" charset="0"/>
+              <a:buChar char="•"/>
+            </a:pPr>
+            <a:r>
+              <a:rPr lang="en-US" sz="1400" dirty="0">
+                <a:latin typeface="Roboto Condensed" panose="02000000000000000000" pitchFamily="2" charset="0"/>
+                <a:ea typeface="Roboto Condensed" panose="02000000000000000000" pitchFamily="2" charset="0"/>
+              </a:rPr>
+              <a:t>Holds the configuration for Android Studio.</a:t>
+            </a:r>
+          </a:p>
+          <a:p>
+            <a:pPr marL="285750" indent="-285750">
+              <a:lnSpc>
+                <a:spcPct val="150000"/>
+              </a:lnSpc>
+              <a:buFont typeface="Arial" panose="020B0604020202020204" pitchFamily="34" charset="0"/>
+              <a:buChar char="•"/>
+            </a:pPr>
+            <a:r>
+              <a:rPr lang="en-US" sz="1400" dirty="0">
+                <a:latin typeface="Roboto Condensed" panose="02000000000000000000" pitchFamily="2" charset="0"/>
+                <a:ea typeface="Roboto Condensed" panose="02000000000000000000" pitchFamily="2" charset="0"/>
+              </a:rPr>
+              <a:t>It doesn't matter because we are not going to work with. </a:t>
+            </a:r>
+          </a:p>
+          <a:p>
+            <a:pPr marL="285750" indent="-285750">
+              <a:lnSpc>
+                <a:spcPct val="150000"/>
+              </a:lnSpc>
+              <a:buFont typeface="Arial" panose="020B0604020202020204" pitchFamily="34" charset="0"/>
+              <a:buChar char="•"/>
+            </a:pPr>
+            <a:r>
+              <a:rPr lang="en-US" sz="1400" dirty="0">
+                <a:latin typeface="Roboto Condensed" panose="02000000000000000000" pitchFamily="2" charset="0"/>
+                <a:ea typeface="Roboto Condensed" panose="02000000000000000000" pitchFamily="2" charset="0"/>
+              </a:rPr>
+              <a:t>So that the content of this folder can be ignored.</a:t>
+            </a:r>
+            <a:endParaRPr lang="en-US" dirty="0">
+              <a:latin typeface="Roboto Condensed" panose="02000000000000000000" pitchFamily="2" charset="0"/>
+              <a:ea typeface="Roboto Condensed" panose="02000000000000000000" pitchFamily="2" charset="0"/>
+            </a:endParaRPr>
+          </a:p>
+        </p:txBody>
+      </p:sp>
+      <p:sp>
+        <p:nvSpPr>
+          <p:cNvPr id="8" name="TextBox 7">
+            <a:extLst>
+              <a:ext uri="{FF2B5EF4-FFF2-40B4-BE49-F238E27FC236}">
+                <a16:creationId xmlns:a16="http://schemas.microsoft.com/office/drawing/2014/main" id="{4F22F4DE-524C-33BC-37B4-FD21A97F55E8}"/>
+              </a:ext>
+            </a:extLst>
+          </p:cNvPr>
+          <p:cNvSpPr txBox="1"/>
+          <p:nvPr/>
+        </p:nvSpPr>
+        <p:spPr>
+          <a:xfrm>
+            <a:off x="685800" y="2599841"/>
+            <a:ext cx="5029200" cy="2200602"/>
+          </a:xfrm>
+          <a:prstGeom prst="rect">
+            <a:avLst/>
+          </a:prstGeom>
+          <a:noFill/>
+        </p:spPr>
+        <p:txBody>
+          <a:bodyPr wrap="square">
+            <a:spAutoFit/>
+          </a:bodyPr>
+          <a:lstStyle/>
+          <a:p>
+            <a:r>
+              <a:rPr lang="en-US" b="1" u="sng" dirty="0">
+                <a:latin typeface="Roboto Condensed" panose="02000000000000000000" pitchFamily="2" charset="0"/>
+                <a:ea typeface="Roboto Condensed" panose="02000000000000000000" pitchFamily="2" charset="0"/>
+              </a:rPr>
+              <a:t>.android:</a:t>
+            </a:r>
+            <a:r>
+              <a:rPr lang="en-US" u="sng" dirty="0">
+                <a:latin typeface="Roboto Condensed" panose="02000000000000000000" pitchFamily="2" charset="0"/>
+                <a:ea typeface="Roboto Condensed" panose="02000000000000000000" pitchFamily="2" charset="0"/>
+              </a:rPr>
+              <a:t> </a:t>
+            </a:r>
+          </a:p>
+          <a:p>
+            <a:pPr marL="285750" indent="-285750">
+              <a:lnSpc>
+                <a:spcPct val="150000"/>
+              </a:lnSpc>
+              <a:buFont typeface="Arial" panose="020B0604020202020204" pitchFamily="34" charset="0"/>
+              <a:buChar char="•"/>
+            </a:pPr>
+            <a:r>
+              <a:rPr lang="en-US" sz="1400" dirty="0"/>
+              <a:t>This folder holds a complete Android project </a:t>
+            </a:r>
+          </a:p>
+          <a:p>
+            <a:pPr marL="285750" indent="-285750">
+              <a:lnSpc>
+                <a:spcPct val="150000"/>
+              </a:lnSpc>
+              <a:buFont typeface="Arial" panose="020B0604020202020204" pitchFamily="34" charset="0"/>
+              <a:buChar char="•"/>
+            </a:pPr>
+            <a:r>
+              <a:rPr lang="en-US" sz="1400" dirty="0"/>
+              <a:t>Used when you build the Flutter application for Android</a:t>
+            </a:r>
+          </a:p>
+          <a:p>
+            <a:pPr marL="285750" indent="-285750">
+              <a:lnSpc>
+                <a:spcPct val="150000"/>
+              </a:lnSpc>
+              <a:buFont typeface="Arial" panose="020B0604020202020204" pitchFamily="34" charset="0"/>
+              <a:buChar char="•"/>
+            </a:pPr>
+            <a:r>
+              <a:rPr lang="en-US" sz="1400" dirty="0"/>
+              <a:t>When the Flutter code is compiled into the native code</a:t>
+            </a:r>
+          </a:p>
+          <a:p>
+            <a:pPr marL="285750" indent="-285750">
+              <a:lnSpc>
+                <a:spcPct val="150000"/>
+              </a:lnSpc>
+              <a:buFont typeface="Arial" panose="020B0604020202020204" pitchFamily="34" charset="0"/>
+              <a:buChar char="•"/>
+            </a:pPr>
+            <a:r>
+              <a:rPr lang="en-US" sz="1400" dirty="0"/>
+              <a:t>It will get injected into this Android project</a:t>
+            </a:r>
+          </a:p>
+          <a:p>
+            <a:pPr marL="285750" indent="-285750">
+              <a:lnSpc>
+                <a:spcPct val="150000"/>
+              </a:lnSpc>
+              <a:buFont typeface="Arial" panose="020B0604020202020204" pitchFamily="34" charset="0"/>
+              <a:buChar char="•"/>
+            </a:pPr>
+            <a:r>
+              <a:rPr lang="en-US" sz="1400" dirty="0"/>
+              <a:t>That the result is a native Android application</a:t>
+            </a:r>
+          </a:p>
+          <a:p>
+            <a:pPr marL="285750" indent="-285750">
+              <a:buFont typeface="Arial" panose="020B0604020202020204" pitchFamily="34" charset="0"/>
+              <a:buChar char="•"/>
+            </a:pPr>
+            <a:endParaRPr lang="en-US" sz="1400" dirty="0"/>
+          </a:p>
+        </p:txBody>
+      </p:sp>
+    </p:spTree>
+    <p:extLst>
+      <p:ext uri="{BB962C8B-B14F-4D97-AF65-F5344CB8AC3E}">
+        <p14:creationId xmlns:p14="http://schemas.microsoft.com/office/powerpoint/2010/main" val="1098387409"/>
+      </p:ext>
+    </p:extLst>
+  </p:cSld>
+  <p:clrMapOvr>
+    <a:masterClrMapping/>
+  </p:clrMapOvr>
+  <p:timing>
+    <p:tnLst>
+      <p:par>
+        <p:cTn id="1" dur="indefinite" restart="never" nodeType="tmRoot">
+          <p:childTnLst>
+            <p:seq concurrent="1" nextAc="seek">
+              <p:cTn id="2" dur="indefinite" nodeType="mainSeq">
+                <p:childTnLst>
+                  <p:par>
+                    <p:cTn id="3" fill="hold">
+                      <p:stCondLst>
+                        <p:cond delay="indefinite"/>
+                      </p:stCondLst>
+                      <p:childTnLst>
+                        <p:par>
+                          <p:cTn id="4" fill="hold">
+                            <p:stCondLst>
+                              <p:cond delay="0"/>
+                            </p:stCondLst>
+                            <p:childTnLst>
+                              <p:par>
+                                <p:cTn id="5" presetID="42" presetClass="entr" presetSubtype="0" fill="hold" grpId="0" nodeType="clickEffect">
+                                  <p:stCondLst>
+                                    <p:cond delay="0"/>
+                                  </p:stCondLst>
+                                  <p:childTnLst>
+                                    <p:set>
+                                      <p:cBhvr>
+                                        <p:cTn id="6" dur="1" fill="hold">
+                                          <p:stCondLst>
+                                            <p:cond delay="0"/>
+                                          </p:stCondLst>
+                                        </p:cTn>
+                                        <p:tgtEl>
+                                          <p:spTgt spid="7"/>
+                                        </p:tgtEl>
+                                        <p:attrNameLst>
+                                          <p:attrName>style.visibility</p:attrName>
+                                        </p:attrNameLst>
+                                      </p:cBhvr>
+                                      <p:to>
+                                        <p:strVal val="visible"/>
+                                      </p:to>
+                                    </p:set>
+                                    <p:animEffect transition="in" filter="fade">
+                                      <p:cBhvr>
+                                        <p:cTn id="7" dur="1000"/>
+                                        <p:tgtEl>
+                                          <p:spTgt spid="7"/>
+                                        </p:tgtEl>
+                                      </p:cBhvr>
+                                    </p:animEffect>
+                                    <p:anim calcmode="lin" valueType="num">
+                                      <p:cBhvr>
+                                        <p:cTn id="8" dur="1000" fill="hold"/>
+                                        <p:tgtEl>
+                                          <p:spTgt spid="7"/>
+                                        </p:tgtEl>
+                                        <p:attrNameLst>
+                                          <p:attrName>ppt_x</p:attrName>
+                                        </p:attrNameLst>
+                                      </p:cBhvr>
+                                      <p:tavLst>
+                                        <p:tav tm="0">
+                                          <p:val>
+                                            <p:strVal val="#ppt_x"/>
+                                          </p:val>
+                                        </p:tav>
+                                        <p:tav tm="100000">
+                                          <p:val>
+                                            <p:strVal val="#ppt_x"/>
+                                          </p:val>
+                                        </p:tav>
+                                      </p:tavLst>
+                                    </p:anim>
+                                    <p:anim calcmode="lin" valueType="num">
+                                      <p:cBhvr>
+                                        <p:cTn id="9" dur="1000" fill="hold"/>
+                                        <p:tgtEl>
+                                          <p:spTgt spid="7"/>
+                                        </p:tgtEl>
+                                        <p:attrNameLst>
+                                          <p:attrName>ppt_y</p:attrName>
+                                        </p:attrNameLst>
+                                      </p:cBhvr>
+                                      <p:tavLst>
+                                        <p:tav tm="0">
+                                          <p:val>
+                                            <p:strVal val="#ppt_y+.1"/>
+                                          </p:val>
+                                        </p:tav>
+                                        <p:tav tm="100000">
+                                          <p:val>
+                                            <p:strVal val="#ppt_y"/>
+                                          </p:val>
+                                        </p:tav>
+                                      </p:tavLst>
+                                    </p:anim>
+                                  </p:childTnLst>
+                                </p:cTn>
+                              </p:par>
+                            </p:childTnLst>
+                          </p:cTn>
+                        </p:par>
+                      </p:childTnLst>
+                    </p:cTn>
+                  </p:par>
+                  <p:par>
+                    <p:cTn id="10" fill="hold">
+                      <p:stCondLst>
+                        <p:cond delay="indefinite"/>
+                      </p:stCondLst>
+                      <p:childTnLst>
+                        <p:par>
+                          <p:cTn id="11" fill="hold">
+                            <p:stCondLst>
+                              <p:cond delay="0"/>
+                            </p:stCondLst>
+                            <p:childTnLst>
+                              <p:par>
+                                <p:cTn id="12" presetID="42" presetClass="entr" presetSubtype="0" fill="hold" grpId="0" nodeType="clickEffect">
+                                  <p:stCondLst>
+                                    <p:cond delay="0"/>
+                                  </p:stCondLst>
+                                  <p:childTnLst>
+                                    <p:set>
+                                      <p:cBhvr>
+                                        <p:cTn id="13" dur="1" fill="hold">
+                                          <p:stCondLst>
+                                            <p:cond delay="0"/>
+                                          </p:stCondLst>
+                                        </p:cTn>
+                                        <p:tgtEl>
+                                          <p:spTgt spid="8"/>
+                                        </p:tgtEl>
+                                        <p:attrNameLst>
+                                          <p:attrName>style.visibility</p:attrName>
+                                        </p:attrNameLst>
+                                      </p:cBhvr>
+                                      <p:to>
+                                        <p:strVal val="visible"/>
+                                      </p:to>
+                                    </p:set>
+                                    <p:animEffect transition="in" filter="fade">
+                                      <p:cBhvr>
+                                        <p:cTn id="14" dur="1000"/>
+                                        <p:tgtEl>
+                                          <p:spTgt spid="8"/>
+                                        </p:tgtEl>
+                                      </p:cBhvr>
+                                    </p:animEffect>
+                                    <p:anim calcmode="lin" valueType="num">
+                                      <p:cBhvr>
+                                        <p:cTn id="15" dur="1000" fill="hold"/>
+                                        <p:tgtEl>
+                                          <p:spTgt spid="8"/>
+                                        </p:tgtEl>
+                                        <p:attrNameLst>
+                                          <p:attrName>ppt_x</p:attrName>
+                                        </p:attrNameLst>
+                                      </p:cBhvr>
+                                      <p:tavLst>
+                                        <p:tav tm="0">
+                                          <p:val>
+                                            <p:strVal val="#ppt_x"/>
+                                          </p:val>
+                                        </p:tav>
+                                        <p:tav tm="100000">
+                                          <p:val>
+                                            <p:strVal val="#ppt_x"/>
+                                          </p:val>
+                                        </p:tav>
+                                      </p:tavLst>
+                                    </p:anim>
+                                    <p:anim calcmode="lin" valueType="num">
+                                      <p:cBhvr>
+                                        <p:cTn id="16" dur="1000" fill="hold"/>
+                                        <p:tgtEl>
+                                          <p:spTgt spid="8"/>
+                                        </p:tgtEl>
+                                        <p:attrNameLst>
+                                          <p:attrName>ppt_y</p:attrName>
+                                        </p:attrNameLst>
+                                      </p:cBhvr>
+                                      <p:tavLst>
+                                        <p:tav tm="0">
+                                          <p:val>
+                                            <p:strVal val="#ppt_y+.1"/>
+                                          </p:val>
+                                        </p:tav>
+                                        <p:tav tm="100000">
+                                          <p:val>
+                                            <p:strVal val="#ppt_y"/>
+                                          </p:val>
+                                        </p:tav>
+                                      </p:tavLst>
+                                    </p:anim>
+                                  </p:childTnLst>
+                                </p:cTn>
+                              </p:par>
+                            </p:childTnLst>
+                          </p:cTn>
+                        </p:par>
+                      </p:childTnLst>
+                    </p:cTn>
+                  </p:par>
+                </p:childTnLst>
+              </p:cTn>
+              <p:prevCondLst>
+                <p:cond evt="onPrev" delay="0">
+                  <p:tgtEl>
+                    <p:sldTgt/>
+                  </p:tgtEl>
+                </p:cond>
+              </p:prevCondLst>
+              <p:nextCondLst>
+                <p:cond evt="onNext" delay="0">
+                  <p:tgtEl>
+                    <p:sldTgt/>
+                  </p:tgtEl>
+                </p:cond>
+              </p:nextCondLst>
+            </p:seq>
+          </p:childTnLst>
+        </p:cTn>
+      </p:par>
+    </p:tnLst>
+    <p:bldLst>
+      <p:bldP spid="7" grpId="0"/>
+      <p:bldP spid="8" grpId="0"/>
+    </p:bldLst>
+  </p:timing>
+</p:sld>
+</file>
+
+<file path=ppt/slides/slide8.xml><?xml version="1.0" encoding="utf-8"?>
+<p:sld xmlns:a="http://schemas.openxmlformats.org/drawingml/2006/main" xmlns:r="http://schemas.openxmlformats.org/officeDocument/2006/relationships" xmlns:p="http://schemas.openxmlformats.org/presentationml/2006/main">
+  <p:cSld>
+    <p:bg>
+      <p:bgPr>
+        <a:blipFill dpi="0" rotWithShape="1">
+          <a:blip r:embed="rId2">
+            <a:lum/>
+          </a:blip>
+          <a:srcRect/>
+          <a:stretch>
+            <a:fillRect l="-1000" r="-1000"/>
+          </a:stretch>
+        </a:blipFill>
+        <a:effectLst/>
+      </p:bgPr>
+    </p:bg>
+    <p:spTree>
+      <p:nvGrpSpPr>
+        <p:cNvPr id="1" name=""/>
+        <p:cNvGrpSpPr/>
+        <p:nvPr/>
+      </p:nvGrpSpPr>
+      <p:grpSpPr>
+        <a:xfrm>
+          <a:off x="0" y="0"/>
+          <a:ext cx="0" cy="0"/>
+          <a:chOff x="0" y="0"/>
+          <a:chExt cx="0" cy="0"/>
+        </a:xfrm>
+      </p:grpSpPr>
+      <p:sp>
+        <p:nvSpPr>
+          <p:cNvPr id="3" name="Rectangle 2"/>
+          <p:cNvSpPr/>
+          <p:nvPr/>
+        </p:nvSpPr>
+        <p:spPr>
+          <a:xfrm>
+            <a:off x="685800" y="133350"/>
+            <a:ext cx="2763898" cy="369332"/>
+          </a:xfrm>
+          <a:prstGeom prst="rect">
+            <a:avLst/>
+          </a:prstGeom>
+        </p:spPr>
+        <p:txBody>
+          <a:bodyPr wrap="none">
+            <a:spAutoFit/>
+          </a:bodyPr>
+          <a:lstStyle/>
+          <a:p>
+            <a:r>
+              <a:rPr lang="en-US" b="1" dirty="0">
+                <a:solidFill>
+                  <a:srgbClr val="0070C0"/>
+                </a:solidFill>
+                <a:latin typeface="Roboto" panose="02000000000000000000" pitchFamily="2" charset="0"/>
+                <a:ea typeface="Roboto" panose="02000000000000000000" pitchFamily="2" charset="0"/>
+              </a:rPr>
+              <a:t>Flutter Project Structure </a:t>
+            </a:r>
+          </a:p>
+        </p:txBody>
+      </p:sp>
+      <p:pic>
+        <p:nvPicPr>
+          <p:cNvPr id="4" name="Picture 3">
+            <a:extLst>
+              <a:ext uri="{FF2B5EF4-FFF2-40B4-BE49-F238E27FC236}">
+                <a16:creationId xmlns:a16="http://schemas.microsoft.com/office/drawing/2014/main" id="{F717AD2B-8CBD-D15F-2B82-C04AB4107C06}"/>
+              </a:ext>
+            </a:extLst>
+          </p:cNvPr>
+          <p:cNvPicPr>
+            <a:picLocks noChangeAspect="1"/>
+          </p:cNvPicPr>
+          <p:nvPr/>
+        </p:nvPicPr>
+        <p:blipFill>
+          <a:blip r:embed="rId3"/>
+          <a:stretch>
+            <a:fillRect/>
+          </a:stretch>
+        </p:blipFill>
+        <p:spPr>
+          <a:xfrm>
+            <a:off x="6400800" y="742950"/>
+            <a:ext cx="2590799" cy="3072809"/>
+          </a:xfrm>
+          <a:prstGeom prst="rect">
+            <a:avLst/>
+          </a:prstGeom>
+        </p:spPr>
+      </p:pic>
+      <p:sp>
+        <p:nvSpPr>
+          <p:cNvPr id="7" name="TextBox 6">
+            <a:extLst>
+              <a:ext uri="{FF2B5EF4-FFF2-40B4-BE49-F238E27FC236}">
+                <a16:creationId xmlns:a16="http://schemas.microsoft.com/office/drawing/2014/main" id="{D5175723-71CB-419F-22D4-E782F927EABB}"/>
+              </a:ext>
+            </a:extLst>
+          </p:cNvPr>
+          <p:cNvSpPr txBox="1"/>
+          <p:nvPr/>
+        </p:nvSpPr>
+        <p:spPr>
+          <a:xfrm>
+            <a:off x="457201" y="819150"/>
+            <a:ext cx="5029200" cy="2626360"/>
+          </a:xfrm>
+          <a:prstGeom prst="rect">
+            <a:avLst/>
+          </a:prstGeom>
+          <a:noFill/>
+        </p:spPr>
+        <p:txBody>
+          <a:bodyPr wrap="square">
+            <a:spAutoFit/>
+          </a:bodyPr>
+          <a:lstStyle/>
+          <a:p>
+            <a:r>
+              <a:rPr lang="en-US" sz="2000" b="1" u="sng" dirty="0">
+                <a:latin typeface="Roboto Condensed" panose="02000000000000000000" pitchFamily="2" charset="0"/>
+                <a:ea typeface="Roboto Condensed" panose="02000000000000000000" pitchFamily="2" charset="0"/>
+              </a:rPr>
+              <a:t>.</a:t>
+            </a:r>
+            <a:r>
+              <a:rPr lang="en-US" sz="2000" b="1" u="sng" dirty="0" err="1">
+                <a:latin typeface="Roboto Condensed" panose="02000000000000000000" pitchFamily="2" charset="0"/>
+                <a:ea typeface="Roboto Condensed" panose="02000000000000000000" pitchFamily="2" charset="0"/>
+              </a:rPr>
+              <a:t>ios</a:t>
+            </a:r>
+            <a:r>
+              <a:rPr lang="en-US" sz="2000" b="1" u="sng" dirty="0">
+                <a:latin typeface="Roboto Condensed" panose="02000000000000000000" pitchFamily="2" charset="0"/>
+                <a:ea typeface="Roboto Condensed" panose="02000000000000000000" pitchFamily="2" charset="0"/>
+              </a:rPr>
+              <a:t>:</a:t>
+            </a:r>
+            <a:r>
+              <a:rPr lang="en-US" sz="2000" u="sng" dirty="0">
+                <a:latin typeface="Roboto Condensed" panose="02000000000000000000" pitchFamily="2" charset="0"/>
+                <a:ea typeface="Roboto Condensed" panose="02000000000000000000" pitchFamily="2" charset="0"/>
+              </a:rPr>
+              <a:t> </a:t>
+            </a:r>
+          </a:p>
+          <a:p>
+            <a:pPr marL="285750" indent="-285750">
+              <a:lnSpc>
+                <a:spcPct val="150000"/>
+              </a:lnSpc>
+              <a:buFont typeface="Arial" panose="020B0604020202020204" pitchFamily="34" charset="0"/>
+              <a:buChar char="•"/>
+            </a:pPr>
+            <a:r>
+              <a:rPr lang="en-US" sz="1400" dirty="0">
+                <a:latin typeface="Roboto Condensed" panose="02000000000000000000" pitchFamily="2" charset="0"/>
+                <a:ea typeface="Roboto Condensed" panose="02000000000000000000" pitchFamily="2" charset="0"/>
+              </a:rPr>
+              <a:t>This folder holds a complete Mac project</a:t>
+            </a:r>
+          </a:p>
+          <a:p>
+            <a:pPr marL="285750" indent="-285750">
+              <a:lnSpc>
+                <a:spcPct val="150000"/>
+              </a:lnSpc>
+              <a:buFont typeface="Arial" panose="020B0604020202020204" pitchFamily="34" charset="0"/>
+              <a:buChar char="•"/>
+            </a:pPr>
+            <a:r>
+              <a:rPr lang="en-US" sz="1400" dirty="0">
+                <a:latin typeface="Roboto Condensed" panose="02000000000000000000" pitchFamily="2" charset="0"/>
+                <a:ea typeface="Roboto Condensed" panose="02000000000000000000" pitchFamily="2" charset="0"/>
+              </a:rPr>
+              <a:t>used when you build the Flutter application for iOS</a:t>
+            </a:r>
+          </a:p>
+          <a:p>
+            <a:pPr marL="285750" indent="-285750">
+              <a:lnSpc>
+                <a:spcPct val="150000"/>
+              </a:lnSpc>
+              <a:buFont typeface="Arial" panose="020B0604020202020204" pitchFamily="34" charset="0"/>
+              <a:buChar char="•"/>
+            </a:pPr>
+            <a:r>
+              <a:rPr lang="en-US" sz="1400" dirty="0">
+                <a:latin typeface="Roboto Condensed" panose="02000000000000000000" pitchFamily="2" charset="0"/>
+                <a:ea typeface="Roboto Condensed" panose="02000000000000000000" pitchFamily="2" charset="0"/>
+              </a:rPr>
+              <a:t>When the Flutter code is compiled into the native code</a:t>
+            </a:r>
+          </a:p>
+          <a:p>
+            <a:pPr marL="285750" indent="-285750">
+              <a:lnSpc>
+                <a:spcPct val="150000"/>
+              </a:lnSpc>
+              <a:buFont typeface="Arial" panose="020B0604020202020204" pitchFamily="34" charset="0"/>
+              <a:buChar char="•"/>
+            </a:pPr>
+            <a:r>
+              <a:rPr lang="en-US" sz="1400" dirty="0">
+                <a:latin typeface="Roboto Condensed" panose="02000000000000000000" pitchFamily="2" charset="0"/>
+                <a:ea typeface="Roboto Condensed" panose="02000000000000000000" pitchFamily="2" charset="0"/>
+              </a:rPr>
+              <a:t>It will get injected into this iOS project</a:t>
+            </a:r>
+          </a:p>
+          <a:p>
+            <a:pPr marL="285750" indent="-285750">
+              <a:lnSpc>
+                <a:spcPct val="150000"/>
+              </a:lnSpc>
+              <a:buFont typeface="Arial" panose="020B0604020202020204" pitchFamily="34" charset="0"/>
+              <a:buChar char="•"/>
+            </a:pPr>
+            <a:r>
+              <a:rPr lang="en-US" sz="1400" dirty="0">
+                <a:latin typeface="Roboto Condensed" panose="02000000000000000000" pitchFamily="2" charset="0"/>
+                <a:ea typeface="Roboto Condensed" panose="02000000000000000000" pitchFamily="2" charset="0"/>
+              </a:rPr>
+              <a:t>that the result is a native iOS application</a:t>
+            </a:r>
+          </a:p>
+          <a:p>
+            <a:pPr marL="285750" indent="-285750">
+              <a:lnSpc>
+                <a:spcPct val="150000"/>
+              </a:lnSpc>
+              <a:buFont typeface="Arial" panose="020B0604020202020204" pitchFamily="34" charset="0"/>
+              <a:buChar char="•"/>
+            </a:pPr>
+            <a:r>
+              <a:rPr lang="en-US" sz="1400" dirty="0">
+                <a:latin typeface="Roboto Condensed" panose="02000000000000000000" pitchFamily="2" charset="0"/>
+                <a:ea typeface="Roboto Condensed" panose="02000000000000000000" pitchFamily="2" charset="0"/>
+              </a:rPr>
+              <a:t>Building a Flutter application for iOS is only possible when you are working on macOS</a:t>
+            </a:r>
+          </a:p>
+        </p:txBody>
+      </p:sp>
+    </p:spTree>
+    <p:extLst>
+      <p:ext uri="{BB962C8B-B14F-4D97-AF65-F5344CB8AC3E}">
+        <p14:creationId xmlns:p14="http://schemas.microsoft.com/office/powerpoint/2010/main" val="3606257582"/>
+      </p:ext>
+    </p:extLst>
+  </p:cSld>
+  <p:clrMapOvr>
+    <a:masterClrMapping/>
+  </p:clrMapOvr>
+  <p:timing>
+    <p:tnLst>
+      <p:par>
+        <p:cTn id="1" dur="indefinite" restart="never" nodeType="tmRoot">
+          <p:childTnLst>
+            <p:seq concurrent="1" nextAc="seek">
+              <p:cTn id="2" dur="indefinite" nodeType="mainSeq">
+                <p:childTnLst>
+                  <p:par>
+                    <p:cTn id="3" fill="hold">
+                      <p:stCondLst>
+                        <p:cond delay="indefinite"/>
+                      </p:stCondLst>
+                      <p:childTnLst>
+                        <p:par>
+                          <p:cTn id="4" fill="hold">
+                            <p:stCondLst>
+                              <p:cond delay="0"/>
+                            </p:stCondLst>
+                            <p:childTnLst>
+                              <p:par>
+                                <p:cTn id="5" presetID="42" presetClass="entr" presetSubtype="0" fill="hold" grpId="0" nodeType="clickEffect">
+                                  <p:stCondLst>
+                                    <p:cond delay="0"/>
+                                  </p:stCondLst>
+                                  <p:childTnLst>
+                                    <p:set>
+                                      <p:cBhvr>
+                                        <p:cTn id="6" dur="1" fill="hold">
+                                          <p:stCondLst>
+                                            <p:cond delay="0"/>
+                                          </p:stCondLst>
+                                        </p:cTn>
+                                        <p:tgtEl>
+                                          <p:spTgt spid="7"/>
+                                        </p:tgtEl>
+                                        <p:attrNameLst>
+                                          <p:attrName>style.visibility</p:attrName>
+                                        </p:attrNameLst>
+                                      </p:cBhvr>
+                                      <p:to>
+                                        <p:strVal val="visible"/>
+                                      </p:to>
+                                    </p:set>
+                                    <p:animEffect transition="in" filter="fade">
+                                      <p:cBhvr>
+                                        <p:cTn id="7" dur="1000"/>
+                                        <p:tgtEl>
+                                          <p:spTgt spid="7"/>
+                                        </p:tgtEl>
+                                      </p:cBhvr>
+                                    </p:animEffect>
+                                    <p:anim calcmode="lin" valueType="num">
+                                      <p:cBhvr>
+                                        <p:cTn id="8" dur="1000" fill="hold"/>
+                                        <p:tgtEl>
+                                          <p:spTgt spid="7"/>
+                                        </p:tgtEl>
+                                        <p:attrNameLst>
+                                          <p:attrName>ppt_x</p:attrName>
+                                        </p:attrNameLst>
+                                      </p:cBhvr>
+                                      <p:tavLst>
+                                        <p:tav tm="0">
+                                          <p:val>
+                                            <p:strVal val="#ppt_x"/>
+                                          </p:val>
+                                        </p:tav>
+                                        <p:tav tm="100000">
+                                          <p:val>
+                                            <p:strVal val="#ppt_x"/>
+                                          </p:val>
+                                        </p:tav>
+                                      </p:tavLst>
+                                    </p:anim>
+                                    <p:anim calcmode="lin" valueType="num">
+                                      <p:cBhvr>
+                                        <p:cTn id="9" dur="1000" fill="hold"/>
+                                        <p:tgtEl>
+                                          <p:spTgt spid="7"/>
+                                        </p:tgtEl>
+                                        <p:attrNameLst>
+                                          <p:attrName>ppt_y</p:attrName>
+                                        </p:attrNameLst>
+                                      </p:cBhvr>
+                                      <p:tavLst>
+                                        <p:tav tm="0">
+                                          <p:val>
+                                            <p:strVal val="#ppt_y+.1"/>
+                                          </p:val>
+                                        </p:tav>
+                                        <p:tav tm="100000">
+                                          <p:val>
+                                            <p:strVal val="#ppt_y"/>
+                                          </p:val>
+                                        </p:tav>
+                                      </p:tavLst>
+                                    </p:anim>
+                                  </p:childTnLst>
+                                </p:cTn>
+                              </p:par>
+                            </p:childTnLst>
+                          </p:cTn>
+                        </p:par>
+                      </p:childTnLst>
+                    </p:cTn>
+                  </p:par>
+                </p:childTnLst>
+              </p:cTn>
+              <p:prevCondLst>
+                <p:cond evt="onPrev" delay="0">
+                  <p:tgtEl>
+                    <p:sldTgt/>
+                  </p:tgtEl>
+                </p:cond>
+              </p:prevCondLst>
+              <p:nextCondLst>
+                <p:cond evt="onNext" delay="0">
+                  <p:tgtEl>
+                    <p:sldTgt/>
+                  </p:tgtEl>
+                </p:cond>
+              </p:nextCondLst>
+            </p:seq>
+          </p:childTnLst>
+        </p:cTn>
+      </p:par>
+    </p:tnLst>
+    <p:bldLst>
+      <p:bldP spid="7" grpId="0"/>
+    </p:bldLst>
+  </p:timing>
+</p:sld>
+</file>
+
+<file path=ppt/slides/slide9.xml><?xml version="1.0" encoding="utf-8"?>
+<p:sld xmlns:a="http://schemas.openxmlformats.org/drawingml/2006/main" xmlns:r="http://schemas.openxmlformats.org/officeDocument/2006/relationships" xmlns:p="http://schemas.openxmlformats.org/presentationml/2006/main">
+  <p:cSld>
+    <p:bg>
+      <p:bgPr>
+        <a:blipFill dpi="0" rotWithShape="1">
+          <a:blip r:embed="rId2">
+            <a:lum/>
+          </a:blip>
+          <a:srcRect/>
+          <a:stretch>
+            <a:fillRect l="-1000" r="-1000"/>
+          </a:stretch>
+        </a:blipFill>
+        <a:effectLst/>
+      </p:bgPr>
+    </p:bg>
+    <p:spTree>
+      <p:nvGrpSpPr>
+        <p:cNvPr id="1" name=""/>
+        <p:cNvGrpSpPr/>
+        <p:nvPr/>
+      </p:nvGrpSpPr>
+      <p:grpSpPr>
+        <a:xfrm>
+          <a:off x="0" y="0"/>
+          <a:ext cx="0" cy="0"/>
+          <a:chOff x="0" y="0"/>
+          <a:chExt cx="0" cy="0"/>
+        </a:xfrm>
+      </p:grpSpPr>
+      <p:sp>
+        <p:nvSpPr>
+          <p:cNvPr id="3" name="Rectangle 2"/>
+          <p:cNvSpPr/>
+          <p:nvPr/>
+        </p:nvSpPr>
+        <p:spPr>
+          <a:xfrm>
+            <a:off x="685800" y="133350"/>
+            <a:ext cx="2763898" cy="369332"/>
+          </a:xfrm>
+          <a:prstGeom prst="rect">
+            <a:avLst/>
+          </a:prstGeom>
+        </p:spPr>
+        <p:txBody>
+          <a:bodyPr wrap="none">
+            <a:spAutoFit/>
+          </a:bodyPr>
+          <a:lstStyle/>
+          <a:p>
+            <a:r>
+              <a:rPr lang="en-US" b="1" dirty="0">
+                <a:solidFill>
+                  <a:srgbClr val="0070C0"/>
+                </a:solidFill>
+                <a:latin typeface="Roboto" panose="02000000000000000000" pitchFamily="2" charset="0"/>
+                <a:ea typeface="Roboto" panose="02000000000000000000" pitchFamily="2" charset="0"/>
+              </a:rPr>
+              <a:t>Flutter Project Structure </a:t>
+            </a:r>
+          </a:p>
+        </p:txBody>
+      </p:sp>
+      <p:pic>
+        <p:nvPicPr>
+          <p:cNvPr id="4" name="Picture 3">
+            <a:extLst>
+              <a:ext uri="{FF2B5EF4-FFF2-40B4-BE49-F238E27FC236}">
+                <a16:creationId xmlns:a16="http://schemas.microsoft.com/office/drawing/2014/main" id="{F717AD2B-8CBD-D15F-2B82-C04AB4107C06}"/>
+              </a:ext>
+            </a:extLst>
+          </p:cNvPr>
+          <p:cNvPicPr>
+            <a:picLocks noChangeAspect="1"/>
+          </p:cNvPicPr>
+          <p:nvPr/>
+        </p:nvPicPr>
+        <p:blipFill>
+          <a:blip r:embed="rId3"/>
+          <a:stretch>
+            <a:fillRect/>
+          </a:stretch>
+        </p:blipFill>
+        <p:spPr>
+          <a:xfrm>
+            <a:off x="6477000" y="742950"/>
+            <a:ext cx="2514599" cy="2982432"/>
+          </a:xfrm>
+          <a:prstGeom prst="rect">
+            <a:avLst/>
+          </a:prstGeom>
+        </p:spPr>
+      </p:pic>
+      <p:sp>
+        <p:nvSpPr>
+          <p:cNvPr id="7" name="TextBox 6">
+            <a:extLst>
+              <a:ext uri="{FF2B5EF4-FFF2-40B4-BE49-F238E27FC236}">
+                <a16:creationId xmlns:a16="http://schemas.microsoft.com/office/drawing/2014/main" id="{D5175723-71CB-419F-22D4-E782F927EABB}"/>
+              </a:ext>
+            </a:extLst>
+          </p:cNvPr>
+          <p:cNvSpPr txBox="1"/>
+          <p:nvPr/>
+        </p:nvSpPr>
+        <p:spPr>
+          <a:xfrm>
+            <a:off x="533400" y="819150"/>
+            <a:ext cx="5029200" cy="2626360"/>
+          </a:xfrm>
+          <a:prstGeom prst="rect">
+            <a:avLst/>
+          </a:prstGeom>
+          <a:noFill/>
+        </p:spPr>
+        <p:txBody>
+          <a:bodyPr wrap="square">
+            <a:spAutoFit/>
+          </a:bodyPr>
+          <a:lstStyle/>
+          <a:p>
+            <a:r>
+              <a:rPr lang="en-US" sz="2000" b="1" u="sng" dirty="0">
+                <a:latin typeface="Roboto Condensed" panose="02000000000000000000" pitchFamily="2" charset="0"/>
+                <a:ea typeface="Roboto Condensed" panose="02000000000000000000" pitchFamily="2" charset="0"/>
+              </a:rPr>
+              <a:t>lib:</a:t>
+            </a:r>
+            <a:r>
+              <a:rPr lang="en-US" sz="2000" u="sng" dirty="0">
+                <a:latin typeface="Roboto Condensed" panose="02000000000000000000" pitchFamily="2" charset="0"/>
+                <a:ea typeface="Roboto Condensed" panose="02000000000000000000" pitchFamily="2" charset="0"/>
+              </a:rPr>
+              <a:t> </a:t>
+            </a:r>
+          </a:p>
+          <a:p>
+            <a:pPr marL="285750" indent="-285750">
+              <a:lnSpc>
+                <a:spcPct val="150000"/>
+              </a:lnSpc>
+              <a:buFont typeface="Arial" panose="020B0604020202020204" pitchFamily="34" charset="0"/>
+              <a:buChar char="•"/>
+            </a:pPr>
+            <a:r>
+              <a:rPr lang="en-US" sz="1400" dirty="0"/>
+              <a:t>It is an essential folder, which stands for the library</a:t>
+            </a:r>
+          </a:p>
+          <a:p>
+            <a:pPr marL="285750" indent="-285750">
+              <a:lnSpc>
+                <a:spcPct val="150000"/>
+              </a:lnSpc>
+              <a:buFont typeface="Arial" panose="020B0604020202020204" pitchFamily="34" charset="0"/>
+              <a:buChar char="•"/>
+            </a:pPr>
+            <a:r>
+              <a:rPr lang="en-US" sz="1400" dirty="0"/>
+              <a:t>It is a folder where we will do our 99 percent of project work</a:t>
+            </a:r>
+          </a:p>
+          <a:p>
+            <a:pPr marL="285750" indent="-285750">
+              <a:lnSpc>
+                <a:spcPct val="150000"/>
+              </a:lnSpc>
+              <a:buFont typeface="Arial" panose="020B0604020202020204" pitchFamily="34" charset="0"/>
+              <a:buChar char="•"/>
+            </a:pPr>
+            <a:r>
+              <a:rPr lang="en-US" sz="1400" dirty="0"/>
+              <a:t>Inside the lib folder, we will find the Dart files which contain the code of our Flutter application</a:t>
+            </a:r>
+          </a:p>
+          <a:p>
+            <a:pPr marL="285750" indent="-285750">
+              <a:lnSpc>
+                <a:spcPct val="150000"/>
+              </a:lnSpc>
+              <a:buFont typeface="Arial" panose="020B0604020202020204" pitchFamily="34" charset="0"/>
+              <a:buChar char="•"/>
+            </a:pPr>
+            <a:r>
+              <a:rPr lang="en-US" sz="1400" dirty="0"/>
+              <a:t>By default, this folder contains the file </a:t>
+            </a:r>
+            <a:r>
+              <a:rPr lang="en-US" sz="1400" dirty="0" err="1"/>
+              <a:t>main.dart</a:t>
+            </a:r>
+            <a:r>
+              <a:rPr lang="en-US" sz="1400" dirty="0"/>
+              <a:t>, which is the entry file of the Flutter application.</a:t>
+            </a:r>
+          </a:p>
+          <a:p>
+            <a:pPr marL="285750" indent="-285750">
+              <a:lnSpc>
+                <a:spcPct val="150000"/>
+              </a:lnSpc>
+              <a:buFont typeface="Arial" panose="020B0604020202020204" pitchFamily="34" charset="0"/>
+              <a:buChar char="•"/>
+            </a:pPr>
+            <a:endParaRPr lang="en-US" sz="1400" dirty="0">
+              <a:latin typeface="Roboto Condensed" panose="02000000000000000000" pitchFamily="2" charset="0"/>
+              <a:ea typeface="Roboto Condensed" panose="02000000000000000000" pitchFamily="2" charset="0"/>
+            </a:endParaRPr>
+          </a:p>
+        </p:txBody>
+      </p:sp>
+    </p:spTree>
+    <p:extLst>
+      <p:ext uri="{BB962C8B-B14F-4D97-AF65-F5344CB8AC3E}">
+        <p14:creationId xmlns:p14="http://schemas.microsoft.com/office/powerpoint/2010/main" val="1627420045"/>
+      </p:ext>
+    </p:extLst>
+  </p:cSld>
+  <p:clrMapOvr>
+    <a:masterClrMapping/>
+  </p:clrMapOvr>
+  <p:timing>
+    <p:tnLst>
+      <p:par>
+        <p:cTn id="1" dur="indefinite" restart="never" nodeType="tmRoot">
+          <p:childTnLst>
+            <p:seq concurrent="1" nextAc="seek">
+              <p:cTn id="2" dur="indefinite" nodeType="mainSeq">
+                <p:childTnLst>
+                  <p:par>
+                    <p:cTn id="3" fill="hold">
+                      <p:stCondLst>
+                        <p:cond delay="indefinite"/>
+                      </p:stCondLst>
+                      <p:childTnLst>
+                        <p:par>
+                          <p:cTn id="4" fill="hold">
+                            <p:stCondLst>
+                              <p:cond delay="0"/>
+                            </p:stCondLst>
+                            <p:childTnLst>
+                              <p:par>
+                                <p:cTn id="5" presetID="42" presetClass="entr" presetSubtype="0" fill="hold" grpId="0" nodeType="clickEffect">
+                                  <p:stCondLst>
+                                    <p:cond delay="0"/>
+                                  </p:stCondLst>
+                                  <p:childTnLst>
+                                    <p:set>
+                                      <p:cBhvr>
+                                        <p:cTn id="6" dur="1" fill="hold">
+                                          <p:stCondLst>
+                                            <p:cond delay="0"/>
+                                          </p:stCondLst>
+                                        </p:cTn>
+                                        <p:tgtEl>
+                                          <p:spTgt spid="7"/>
+                                        </p:tgtEl>
+                                        <p:attrNameLst>
+                                          <p:attrName>style.visibility</p:attrName>
+                                        </p:attrNameLst>
+                                      </p:cBhvr>
+                                      <p:to>
+                                        <p:strVal val="visible"/>
+                                      </p:to>
+                                    </p:set>
+                                    <p:animEffect transition="in" filter="fade">
+                                      <p:cBhvr>
+                                        <p:cTn id="7" dur="1000"/>
+                                        <p:tgtEl>
+                                          <p:spTgt spid="7"/>
+                                        </p:tgtEl>
+                                      </p:cBhvr>
+                                    </p:animEffect>
+                                    <p:anim calcmode="lin" valueType="num">
+                                      <p:cBhvr>
+                                        <p:cTn id="8" dur="1000" fill="hold"/>
+                                        <p:tgtEl>
+                                          <p:spTgt spid="7"/>
+                                        </p:tgtEl>
+                                        <p:attrNameLst>
+                                          <p:attrName>ppt_x</p:attrName>
+                                        </p:attrNameLst>
+                                      </p:cBhvr>
+                                      <p:tavLst>
+                                        <p:tav tm="0">
+                                          <p:val>
+                                            <p:strVal val="#ppt_x"/>
+                                          </p:val>
+                                        </p:tav>
+                                        <p:tav tm="100000">
+                                          <p:val>
+                                            <p:strVal val="#ppt_x"/>
+                                          </p:val>
+                                        </p:tav>
+                                      </p:tavLst>
+                                    </p:anim>
+                                    <p:anim calcmode="lin" valueType="num">
+                                      <p:cBhvr>
+                                        <p:cTn id="9" dur="1000" fill="hold"/>
+                                        <p:tgtEl>
+                                          <p:spTgt spid="7"/>
+                                        </p:tgtEl>
+                                        <p:attrNameLst>
+                                          <p:attrName>ppt_y</p:attrName>
+                                        </p:attrNameLst>
+                                      </p:cBhvr>
+                                      <p:tavLst>
+                                        <p:tav tm="0">
+                                          <p:val>
+                                            <p:strVal val="#ppt_y+.1"/>
+                                          </p:val>
+                                        </p:tav>
+                                        <p:tav tm="100000">
+                                          <p:val>
+                                            <p:strVal val="#ppt_y"/>
+                                          </p:val>
+                                        </p:tav>
+                                      </p:tavLst>
+                                    </p:anim>
+                                  </p:childTnLst>
+                                </p:cTn>
+                              </p:par>
+                            </p:childTnLst>
+                          </p:cTn>
+                        </p:par>
+                      </p:childTnLst>
+                    </p:cTn>
+                  </p:par>
+                </p:childTnLst>
+              </p:cTn>
+              <p:prevCondLst>
+                <p:cond evt="onPrev" delay="0">
+                  <p:tgtEl>
+                    <p:sldTgt/>
+                  </p:tgtEl>
+                </p:cond>
+              </p:prevCondLst>
+              <p:nextCondLst>
+                <p:cond evt="onNext" delay="0">
+                  <p:tgtEl>
+                    <p:sldTgt/>
+                  </p:tgtEl>
+                </p:cond>
+              </p:nextCondLst>
+            </p:seq>
+          </p:childTnLst>
+        </p:cTn>
+      </p:par>
+    </p:tnLst>
+    <p:bldLst>
+      <p:bldP spid="7" grpId="0"/>
     </p:bldLst>
   </p:timing>
 </p:sld>
